--- a/SlideShow/Data Analytics Final Presentation.pptx
+++ b/SlideShow/Data Analytics Final Presentation.pptx
@@ -2,28 +2,34 @@
 <file path=ppt/presentation.xml><?xml version="1.0" encoding="utf-8"?>
 <p:presentation xmlns:a="http://schemas.openxmlformats.org/drawingml/2006/main" xmlns:r="http://schemas.openxmlformats.org/officeDocument/2006/relationships" xmlns:mc="http://schemas.openxmlformats.org/markup-compatibility/2006" xmlns:mv="urn:schemas-microsoft-com:mac:vml" xmlns:p="http://schemas.openxmlformats.org/presentationml/2006/main" xmlns:c="http://schemas.openxmlformats.org/drawingml/2006/chart" xmlns:dgm="http://schemas.openxmlformats.org/drawingml/2006/diagram" xmlns:o="urn:schemas-microsoft-com:office:office" xmlns:v="urn:schemas-microsoft-com:vml" xmlns:pvml="urn:schemas-microsoft-com:office:powerpoint" xmlns:com="http://schemas.openxmlformats.org/drawingml/2006/compatibility" xmlns:p14="http://schemas.microsoft.com/office/powerpoint/2010/main" xmlns:p15="http://schemas.microsoft.com/office/powerpoint/2012/main" xmlns:ahyp="http://schemas.microsoft.com/office/drawing/2018/hyperlinkcolor" autoCompressPictures="0" embedTrueTypeFonts="1" strictFirstAndLastChars="0" saveSubsetFonts="1">
   <p:sldMasterIdLst>
-    <p:sldMasterId id="2147483659" r:id="rId4"/>
+    <p:sldMasterId id="2147483659" r:id="rId5"/>
   </p:sldMasterIdLst>
   <p:notesMasterIdLst>
-    <p:notesMasterId r:id="rId5"/>
+    <p:notesMasterId r:id="rId6"/>
   </p:notesMasterIdLst>
   <p:sldIdLst>
-    <p:sldId id="256" r:id="rId6"/>
-    <p:sldId id="257" r:id="rId7"/>
-    <p:sldId id="258" r:id="rId8"/>
-    <p:sldId id="259" r:id="rId9"/>
-    <p:sldId id="260" r:id="rId10"/>
-    <p:sldId id="261" r:id="rId11"/>
+    <p:sldId id="256" r:id="rId7"/>
+    <p:sldId id="257" r:id="rId8"/>
+    <p:sldId id="258" r:id="rId9"/>
+    <p:sldId id="259" r:id="rId10"/>
+    <p:sldId id="260" r:id="rId11"/>
+    <p:sldId id="261" r:id="rId12"/>
+    <p:sldId id="262" r:id="rId13"/>
+    <p:sldId id="263" r:id="rId14"/>
+    <p:sldId id="264" r:id="rId15"/>
+    <p:sldId id="265" r:id="rId16"/>
+    <p:sldId id="266" r:id="rId17"/>
+    <p:sldId id="267" r:id="rId18"/>
   </p:sldIdLst>
   <p:sldSz cy="5143500" cx="9144000"/>
   <p:notesSz cx="6858000" cy="9144000"/>
   <p:embeddedFontLst>
     <p:embeddedFont>
       <p:font typeface="Roboto"/>
-      <p:regular r:id="rId12"/>
-      <p:bold r:id="rId13"/>
-      <p:italic r:id="rId14"/>
-      <p:boldItalic r:id="rId15"/>
+      <p:regular r:id="rId19"/>
+      <p:bold r:id="rId20"/>
+      <p:italic r:id="rId21"/>
+      <p:boldItalic r:id="rId22"/>
     </p:embeddedFont>
   </p:embeddedFontLst>
   <p:defaultTextStyle>
@@ -272,6 +278,66 @@
     </p:ext>
   </p:extLst>
 </p:presentation>
+</file>
+
+<file path=ppt/commentAuthors.xml><?xml version="1.0" encoding="utf-8"?>
+<p:cmAuthorLst xmlns:a="http://schemas.openxmlformats.org/drawingml/2006/main" xmlns:r="http://schemas.openxmlformats.org/officeDocument/2006/relationships" xmlns:mc="http://schemas.openxmlformats.org/markup-compatibility/2006" xmlns:mv="urn:schemas-microsoft-com:mac:vml" xmlns:p="http://schemas.openxmlformats.org/presentationml/2006/main" xmlns:c="http://schemas.openxmlformats.org/drawingml/2006/chart" xmlns:dgm="http://schemas.openxmlformats.org/drawingml/2006/diagram" xmlns:o="urn:schemas-microsoft-com:office:office" xmlns:v="urn:schemas-microsoft-com:vml" xmlns:pvml="urn:schemas-microsoft-com:office:powerpoint" xmlns:com="http://schemas.openxmlformats.org/drawingml/2006/compatibility" xmlns:p14="http://schemas.microsoft.com/office/powerpoint/2010/main" xmlns:p15="http://schemas.microsoft.com/office/powerpoint/2012/main" xmlns:ahyp="http://schemas.microsoft.com/office/drawing/2018/hyperlinkcolor">
+  <p:cmAuthor clrIdx="0" id="0" initials="" lastIdx="6" name="Max R"/>
+</p:cmAuthorLst>
+</file>
+
+<file path=ppt/comments/comment1.xml><?xml version="1.0" encoding="utf-8"?>
+<p:cmLst xmlns:a="http://schemas.openxmlformats.org/drawingml/2006/main" xmlns:r="http://schemas.openxmlformats.org/officeDocument/2006/relationships" xmlns:mc="http://schemas.openxmlformats.org/markup-compatibility/2006" xmlns:mv="urn:schemas-microsoft-com:mac:vml" xmlns:p="http://schemas.openxmlformats.org/presentationml/2006/main" xmlns:c="http://schemas.openxmlformats.org/drawingml/2006/chart" xmlns:dgm="http://schemas.openxmlformats.org/drawingml/2006/diagram" xmlns:o="urn:schemas-microsoft-com:office:office" xmlns:v="urn:schemas-microsoft-com:vml" xmlns:pvml="urn:schemas-microsoft-com:office:powerpoint" xmlns:com="http://schemas.openxmlformats.org/drawingml/2006/compatibility" xmlns:p14="http://schemas.microsoft.com/office/powerpoint/2010/main" xmlns:p15="http://schemas.microsoft.com/office/powerpoint/2012/main" xmlns:ahyp="http://schemas.microsoft.com/office/drawing/2018/hyperlinkcolor">
+  <p:cm authorId="0" idx="1" dt="2023-03-22T00:32:30.640">
+    <p:pos x="6000" y="0"/>
+    <p:text>Will have some visualization included on the slide</p:text>
+  </p:cm>
+</p:cmLst>
+</file>
+
+<file path=ppt/comments/comment2.xml><?xml version="1.0" encoding="utf-8"?>
+<p:cmLst xmlns:a="http://schemas.openxmlformats.org/drawingml/2006/main" xmlns:r="http://schemas.openxmlformats.org/officeDocument/2006/relationships" xmlns:mc="http://schemas.openxmlformats.org/markup-compatibility/2006" xmlns:mv="urn:schemas-microsoft-com:mac:vml" xmlns:p="http://schemas.openxmlformats.org/presentationml/2006/main" xmlns:c="http://schemas.openxmlformats.org/drawingml/2006/chart" xmlns:dgm="http://schemas.openxmlformats.org/drawingml/2006/diagram" xmlns:o="urn:schemas-microsoft-com:office:office" xmlns:v="urn:schemas-microsoft-com:vml" xmlns:pvml="urn:schemas-microsoft-com:office:powerpoint" xmlns:com="http://schemas.openxmlformats.org/drawingml/2006/compatibility" xmlns:p14="http://schemas.microsoft.com/office/powerpoint/2010/main" xmlns:p15="http://schemas.microsoft.com/office/powerpoint/2012/main" xmlns:ahyp="http://schemas.microsoft.com/office/drawing/2018/hyperlinkcolor">
+  <p:cm authorId="0" idx="2" dt="2023-03-22T00:40:12.012">
+    <p:pos x="6000" y="0"/>
+    <p:text>Will be more slides that will all have visualization</p:text>
+  </p:cm>
+</p:cmLst>
+</file>
+
+<file path=ppt/comments/comment3.xml><?xml version="1.0" encoding="utf-8"?>
+<p:cmLst xmlns:a="http://schemas.openxmlformats.org/drawingml/2006/main" xmlns:r="http://schemas.openxmlformats.org/officeDocument/2006/relationships" xmlns:mc="http://schemas.openxmlformats.org/markup-compatibility/2006" xmlns:mv="urn:schemas-microsoft-com:mac:vml" xmlns:p="http://schemas.openxmlformats.org/presentationml/2006/main" xmlns:c="http://schemas.openxmlformats.org/drawingml/2006/chart" xmlns:dgm="http://schemas.openxmlformats.org/drawingml/2006/diagram" xmlns:o="urn:schemas-microsoft-com:office:office" xmlns:v="urn:schemas-microsoft-com:vml" xmlns:pvml="urn:schemas-microsoft-com:office:powerpoint" xmlns:com="http://schemas.openxmlformats.org/drawingml/2006/compatibility" xmlns:p14="http://schemas.microsoft.com/office/powerpoint/2010/main" xmlns:p15="http://schemas.microsoft.com/office/powerpoint/2012/main" xmlns:ahyp="http://schemas.microsoft.com/office/drawing/2018/hyperlinkcolor">
+  <p:cm authorId="0" idx="3" dt="2023-03-22T00:41:34.410">
+    <p:pos x="6000" y="0"/>
+    <p:text>Basic overview of Python and the libraries used</p:text>
+  </p:cm>
+</p:cmLst>
+</file>
+
+<file path=ppt/comments/comment4.xml><?xml version="1.0" encoding="utf-8"?>
+<p:cmLst xmlns:a="http://schemas.openxmlformats.org/drawingml/2006/main" xmlns:r="http://schemas.openxmlformats.org/officeDocument/2006/relationships" xmlns:mc="http://schemas.openxmlformats.org/markup-compatibility/2006" xmlns:mv="urn:schemas-microsoft-com:mac:vml" xmlns:p="http://schemas.openxmlformats.org/presentationml/2006/main" xmlns:c="http://schemas.openxmlformats.org/drawingml/2006/chart" xmlns:dgm="http://schemas.openxmlformats.org/drawingml/2006/diagram" xmlns:o="urn:schemas-microsoft-com:office:office" xmlns:v="urn:schemas-microsoft-com:vml" xmlns:pvml="urn:schemas-microsoft-com:office:powerpoint" xmlns:com="http://schemas.openxmlformats.org/drawingml/2006/compatibility" xmlns:p14="http://schemas.microsoft.com/office/powerpoint/2010/main" xmlns:p15="http://schemas.microsoft.com/office/powerpoint/2012/main" xmlns:ahyp="http://schemas.microsoft.com/office/drawing/2018/hyperlinkcolor">
+  <p:cm authorId="0" idx="4" dt="2023-03-22T00:42:19.919">
+    <p:pos x="6000" y="0"/>
+    <p:text>Machine Learning breakdown</p:text>
+  </p:cm>
+</p:cmLst>
+</file>
+
+<file path=ppt/comments/comment5.xml><?xml version="1.0" encoding="utf-8"?>
+<p:cmLst xmlns:a="http://schemas.openxmlformats.org/drawingml/2006/main" xmlns:r="http://schemas.openxmlformats.org/officeDocument/2006/relationships" xmlns:mc="http://schemas.openxmlformats.org/markup-compatibility/2006" xmlns:mv="urn:schemas-microsoft-com:mac:vml" xmlns:p="http://schemas.openxmlformats.org/presentationml/2006/main" xmlns:c="http://schemas.openxmlformats.org/drawingml/2006/chart" xmlns:dgm="http://schemas.openxmlformats.org/drawingml/2006/diagram" xmlns:o="urn:schemas-microsoft-com:office:office" xmlns:v="urn:schemas-microsoft-com:vml" xmlns:pvml="urn:schemas-microsoft-com:office:powerpoint" xmlns:com="http://schemas.openxmlformats.org/drawingml/2006/compatibility" xmlns:p14="http://schemas.microsoft.com/office/powerpoint/2010/main" xmlns:p15="http://schemas.microsoft.com/office/powerpoint/2012/main" xmlns:ahyp="http://schemas.microsoft.com/office/drawing/2018/hyperlinkcolor">
+  <p:cm authorId="0" idx="5" dt="2023-03-22T00:49:15.446">
+    <p:pos x="6000" y="0"/>
+    <p:text>Multiple visualizations/Dashboard overview</p:text>
+  </p:cm>
+</p:cmLst>
+</file>
+
+<file path=ppt/comments/comment6.xml><?xml version="1.0" encoding="utf-8"?>
+<p:cmLst xmlns:a="http://schemas.openxmlformats.org/drawingml/2006/main" xmlns:r="http://schemas.openxmlformats.org/officeDocument/2006/relationships" xmlns:mc="http://schemas.openxmlformats.org/markup-compatibility/2006" xmlns:mv="urn:schemas-microsoft-com:mac:vml" xmlns:p="http://schemas.openxmlformats.org/presentationml/2006/main" xmlns:c="http://schemas.openxmlformats.org/drawingml/2006/chart" xmlns:dgm="http://schemas.openxmlformats.org/drawingml/2006/diagram" xmlns:o="urn:schemas-microsoft-com:office:office" xmlns:v="urn:schemas-microsoft-com:vml" xmlns:pvml="urn:schemas-microsoft-com:office:powerpoint" xmlns:com="http://schemas.openxmlformats.org/drawingml/2006/compatibility" xmlns:p14="http://schemas.microsoft.com/office/powerpoint/2010/main" xmlns:p15="http://schemas.microsoft.com/office/powerpoint/2012/main" xmlns:ahyp="http://schemas.microsoft.com/office/drawing/2018/hyperlinkcolor">
+  <p:cm authorId="0" idx="6" dt="2023-03-22T00:50:52.995">
+    <p:pos x="6000" y="0"/>
+    <p:text>Question answered? and wrap up</p:text>
+  </p:cm>
+</p:cmLst>
 </file>
 
 <file path=ppt/notesMasters/notesMaster1.xml><?xml version="1.0" encoding="utf-8"?>
@@ -799,6 +865,303 @@
 </p:notes>
 </file>
 
+<file path=ppt/notesSlides/notesSlide10.xml><?xml version="1.0" encoding="utf-8"?>
+<p:notes xmlns:a="http://schemas.openxmlformats.org/drawingml/2006/main" xmlns:r="http://schemas.openxmlformats.org/officeDocument/2006/relationships" xmlns:mc="http://schemas.openxmlformats.org/markup-compatibility/2006" xmlns:mv="urn:schemas-microsoft-com:mac:vml" xmlns:p="http://schemas.openxmlformats.org/presentationml/2006/main" xmlns:c="http://schemas.openxmlformats.org/drawingml/2006/chart" xmlns:dgm="http://schemas.openxmlformats.org/drawingml/2006/diagram" xmlns:o="urn:schemas-microsoft-com:office:office" xmlns:v="urn:schemas-microsoft-com:vml" xmlns:pvml="urn:schemas-microsoft-com:office:powerpoint" xmlns:com="http://schemas.openxmlformats.org/drawingml/2006/compatibility" xmlns:p14="http://schemas.microsoft.com/office/powerpoint/2010/main" xmlns:p15="http://schemas.microsoft.com/office/powerpoint/2012/main" xmlns:ahyp="http://schemas.microsoft.com/office/drawing/2018/hyperlinkcolor" showMasterPhAnim="0" showMasterSp="0">
+  <p:cSld>
+    <p:spTree>
+      <p:nvGrpSpPr>
+        <p:cNvPr id="135" name="Shape 135"/>
+        <p:cNvGrpSpPr/>
+        <p:nvPr/>
+      </p:nvGrpSpPr>
+      <p:grpSpPr>
+        <a:xfrm>
+          <a:off x="0" y="0"/>
+          <a:ext cx="0" cy="0"/>
+          <a:chOff x="0" y="0"/>
+          <a:chExt cx="0" cy="0"/>
+        </a:xfrm>
+      </p:grpSpPr>
+      <p:sp>
+        <p:nvSpPr>
+          <p:cNvPr id="136" name="Google Shape;136;g22237a301a9_0_25:notes"/>
+          <p:cNvSpPr/>
+          <p:nvPr>
+            <p:ph idx="2" type="sldImg"/>
+          </p:nvPr>
+        </p:nvSpPr>
+        <p:spPr>
+          <a:xfrm>
+            <a:off x="381300" y="685800"/>
+            <a:ext cx="6096000" cy="3429000"/>
+          </a:xfrm>
+          <a:custGeom>
+            <a:rect b="b" l="l" r="r" t="t"/>
+            <a:pathLst>
+              <a:path extrusionOk="0" h="120000" w="120000">
+                <a:moveTo>
+                  <a:pt x="0" y="0"/>
+                </a:moveTo>
+                <a:lnTo>
+                  <a:pt x="120000" y="0"/>
+                </a:lnTo>
+                <a:lnTo>
+                  <a:pt x="120000" y="120000"/>
+                </a:lnTo>
+                <a:lnTo>
+                  <a:pt x="0" y="120000"/>
+                </a:lnTo>
+                <a:close/>
+              </a:path>
+            </a:pathLst>
+          </a:custGeom>
+        </p:spPr>
+      </p:sp>
+      <p:sp>
+        <p:nvSpPr>
+          <p:cNvPr id="137" name="Google Shape;137;g22237a301a9_0_25:notes"/>
+          <p:cNvSpPr txBox="1"/>
+          <p:nvPr>
+            <p:ph idx="1" type="body"/>
+          </p:nvPr>
+        </p:nvSpPr>
+        <p:spPr>
+          <a:xfrm>
+            <a:off x="685800" y="4343400"/>
+            <a:ext cx="5486400" cy="4114800"/>
+          </a:xfrm>
+          <a:prstGeom prst="rect">
+            <a:avLst/>
+          </a:prstGeom>
+        </p:spPr>
+        <p:txBody>
+          <a:bodyPr anchorCtr="0" anchor="t" bIns="91425" lIns="91425" spcFirstLastPara="1" rIns="91425" wrap="square" tIns="91425">
+            <a:noAutofit/>
+          </a:bodyPr>
+          <a:lstStyle/>
+          <a:p>
+            <a:pPr indent="0" lvl="0" marL="0" rtl="0" algn="l">
+              <a:spcBef>
+                <a:spcPts val="0"/>
+              </a:spcBef>
+              <a:spcAft>
+                <a:spcPts val="0"/>
+              </a:spcAft>
+              <a:buNone/>
+            </a:pPr>
+            <a:r>
+              <a:t/>
+            </a:r>
+            <a:endParaRPr/>
+          </a:p>
+        </p:txBody>
+      </p:sp>
+    </p:spTree>
+  </p:cSld>
+  <p:clrMapOvr>
+    <a:masterClrMapping/>
+  </p:clrMapOvr>
+</p:notes>
+</file>
+
+<file path=ppt/notesSlides/notesSlide11.xml><?xml version="1.0" encoding="utf-8"?>
+<p:notes xmlns:a="http://schemas.openxmlformats.org/drawingml/2006/main" xmlns:r="http://schemas.openxmlformats.org/officeDocument/2006/relationships" xmlns:mc="http://schemas.openxmlformats.org/markup-compatibility/2006" xmlns:mv="urn:schemas-microsoft-com:mac:vml" xmlns:p="http://schemas.openxmlformats.org/presentationml/2006/main" xmlns:c="http://schemas.openxmlformats.org/drawingml/2006/chart" xmlns:dgm="http://schemas.openxmlformats.org/drawingml/2006/diagram" xmlns:o="urn:schemas-microsoft-com:office:office" xmlns:v="urn:schemas-microsoft-com:vml" xmlns:pvml="urn:schemas-microsoft-com:office:powerpoint" xmlns:com="http://schemas.openxmlformats.org/drawingml/2006/compatibility" xmlns:p14="http://schemas.microsoft.com/office/powerpoint/2010/main" xmlns:p15="http://schemas.microsoft.com/office/powerpoint/2012/main" xmlns:ahyp="http://schemas.microsoft.com/office/drawing/2018/hyperlinkcolor" showMasterPhAnim="0" showMasterSp="0">
+  <p:cSld>
+    <p:spTree>
+      <p:nvGrpSpPr>
+        <p:cNvPr id="141" name="Shape 141"/>
+        <p:cNvGrpSpPr/>
+        <p:nvPr/>
+      </p:nvGrpSpPr>
+      <p:grpSpPr>
+        <a:xfrm>
+          <a:off x="0" y="0"/>
+          <a:ext cx="0" cy="0"/>
+          <a:chOff x="0" y="0"/>
+          <a:chExt cx="0" cy="0"/>
+        </a:xfrm>
+      </p:grpSpPr>
+      <p:sp>
+        <p:nvSpPr>
+          <p:cNvPr id="142" name="Google Shape;142;g22237a301a9_0_15:notes"/>
+          <p:cNvSpPr/>
+          <p:nvPr>
+            <p:ph idx="2" type="sldImg"/>
+          </p:nvPr>
+        </p:nvSpPr>
+        <p:spPr>
+          <a:xfrm>
+            <a:off x="381300" y="685800"/>
+            <a:ext cx="6096000" cy="3429000"/>
+          </a:xfrm>
+          <a:custGeom>
+            <a:rect b="b" l="l" r="r" t="t"/>
+            <a:pathLst>
+              <a:path extrusionOk="0" h="120000" w="120000">
+                <a:moveTo>
+                  <a:pt x="0" y="0"/>
+                </a:moveTo>
+                <a:lnTo>
+                  <a:pt x="120000" y="0"/>
+                </a:lnTo>
+                <a:lnTo>
+                  <a:pt x="120000" y="120000"/>
+                </a:lnTo>
+                <a:lnTo>
+                  <a:pt x="0" y="120000"/>
+                </a:lnTo>
+                <a:close/>
+              </a:path>
+            </a:pathLst>
+          </a:custGeom>
+        </p:spPr>
+      </p:sp>
+      <p:sp>
+        <p:nvSpPr>
+          <p:cNvPr id="143" name="Google Shape;143;g22237a301a9_0_15:notes"/>
+          <p:cNvSpPr txBox="1"/>
+          <p:nvPr>
+            <p:ph idx="1" type="body"/>
+          </p:nvPr>
+        </p:nvSpPr>
+        <p:spPr>
+          <a:xfrm>
+            <a:off x="685800" y="4343400"/>
+            <a:ext cx="5486400" cy="4114800"/>
+          </a:xfrm>
+          <a:prstGeom prst="rect">
+            <a:avLst/>
+          </a:prstGeom>
+        </p:spPr>
+        <p:txBody>
+          <a:bodyPr anchorCtr="0" anchor="t" bIns="91425" lIns="91425" spcFirstLastPara="1" rIns="91425" wrap="square" tIns="91425">
+            <a:noAutofit/>
+          </a:bodyPr>
+          <a:lstStyle/>
+          <a:p>
+            <a:pPr indent="0" lvl="0" marL="0" rtl="0" algn="l">
+              <a:spcBef>
+                <a:spcPts val="0"/>
+              </a:spcBef>
+              <a:spcAft>
+                <a:spcPts val="0"/>
+              </a:spcAft>
+              <a:buNone/>
+            </a:pPr>
+            <a:r>
+              <a:t/>
+            </a:r>
+            <a:endParaRPr/>
+          </a:p>
+        </p:txBody>
+      </p:sp>
+    </p:spTree>
+  </p:cSld>
+  <p:clrMapOvr>
+    <a:masterClrMapping/>
+  </p:clrMapOvr>
+</p:notes>
+</file>
+
+<file path=ppt/notesSlides/notesSlide12.xml><?xml version="1.0" encoding="utf-8"?>
+<p:notes xmlns:a="http://schemas.openxmlformats.org/drawingml/2006/main" xmlns:r="http://schemas.openxmlformats.org/officeDocument/2006/relationships" xmlns:mc="http://schemas.openxmlformats.org/markup-compatibility/2006" xmlns:mv="urn:schemas-microsoft-com:mac:vml" xmlns:p="http://schemas.openxmlformats.org/presentationml/2006/main" xmlns:c="http://schemas.openxmlformats.org/drawingml/2006/chart" xmlns:dgm="http://schemas.openxmlformats.org/drawingml/2006/diagram" xmlns:o="urn:schemas-microsoft-com:office:office" xmlns:v="urn:schemas-microsoft-com:vml" xmlns:pvml="urn:schemas-microsoft-com:office:powerpoint" xmlns:com="http://schemas.openxmlformats.org/drawingml/2006/compatibility" xmlns:p14="http://schemas.microsoft.com/office/powerpoint/2010/main" xmlns:p15="http://schemas.microsoft.com/office/powerpoint/2012/main" xmlns:ahyp="http://schemas.microsoft.com/office/drawing/2018/hyperlinkcolor" showMasterPhAnim="0" showMasterSp="0">
+  <p:cSld>
+    <p:spTree>
+      <p:nvGrpSpPr>
+        <p:cNvPr id="147" name="Shape 147"/>
+        <p:cNvGrpSpPr/>
+        <p:nvPr/>
+      </p:nvGrpSpPr>
+      <p:grpSpPr>
+        <a:xfrm>
+          <a:off x="0" y="0"/>
+          <a:ext cx="0" cy="0"/>
+          <a:chOff x="0" y="0"/>
+          <a:chExt cx="0" cy="0"/>
+        </a:xfrm>
+      </p:grpSpPr>
+      <p:sp>
+        <p:nvSpPr>
+          <p:cNvPr id="148" name="Google Shape;148;g22237a301a9_0_20:notes"/>
+          <p:cNvSpPr/>
+          <p:nvPr>
+            <p:ph idx="2" type="sldImg"/>
+          </p:nvPr>
+        </p:nvSpPr>
+        <p:spPr>
+          <a:xfrm>
+            <a:off x="381300" y="685800"/>
+            <a:ext cx="6096000" cy="3429000"/>
+          </a:xfrm>
+          <a:custGeom>
+            <a:rect b="b" l="l" r="r" t="t"/>
+            <a:pathLst>
+              <a:path extrusionOk="0" h="120000" w="120000">
+                <a:moveTo>
+                  <a:pt x="0" y="0"/>
+                </a:moveTo>
+                <a:lnTo>
+                  <a:pt x="120000" y="0"/>
+                </a:lnTo>
+                <a:lnTo>
+                  <a:pt x="120000" y="120000"/>
+                </a:lnTo>
+                <a:lnTo>
+                  <a:pt x="0" y="120000"/>
+                </a:lnTo>
+                <a:close/>
+              </a:path>
+            </a:pathLst>
+          </a:custGeom>
+        </p:spPr>
+      </p:sp>
+      <p:sp>
+        <p:nvSpPr>
+          <p:cNvPr id="149" name="Google Shape;149;g22237a301a9_0_20:notes"/>
+          <p:cNvSpPr txBox="1"/>
+          <p:nvPr>
+            <p:ph idx="1" type="body"/>
+          </p:nvPr>
+        </p:nvSpPr>
+        <p:spPr>
+          <a:xfrm>
+            <a:off x="685800" y="4343400"/>
+            <a:ext cx="5486400" cy="4114800"/>
+          </a:xfrm>
+          <a:prstGeom prst="rect">
+            <a:avLst/>
+          </a:prstGeom>
+        </p:spPr>
+        <p:txBody>
+          <a:bodyPr anchorCtr="0" anchor="t" bIns="91425" lIns="91425" spcFirstLastPara="1" rIns="91425" wrap="square" tIns="91425">
+            <a:noAutofit/>
+          </a:bodyPr>
+          <a:lstStyle/>
+          <a:p>
+            <a:pPr indent="0" lvl="0" marL="0" rtl="0" algn="l">
+              <a:spcBef>
+                <a:spcPts val="0"/>
+              </a:spcBef>
+              <a:spcAft>
+                <a:spcPts val="0"/>
+              </a:spcAft>
+              <a:buNone/>
+            </a:pPr>
+            <a:r>
+              <a:t/>
+            </a:r>
+            <a:endParaRPr/>
+          </a:p>
+        </p:txBody>
+      </p:sp>
+    </p:spTree>
+  </p:cSld>
+  <p:clrMapOvr>
+    <a:masterClrMapping/>
+  </p:clrMapOvr>
+</p:notes>
+</file>
+
 <file path=ppt/notesSlides/notesSlide2.xml><?xml version="1.0" encoding="utf-8"?>
 <p:notes xmlns:a="http://schemas.openxmlformats.org/drawingml/2006/main" xmlns:r="http://schemas.openxmlformats.org/officeDocument/2006/relationships" xmlns:mc="http://schemas.openxmlformats.org/markup-compatibility/2006" xmlns:mv="urn:schemas-microsoft-com:mac:vml" xmlns:p="http://schemas.openxmlformats.org/presentationml/2006/main" xmlns:c="http://schemas.openxmlformats.org/drawingml/2006/chart" xmlns:dgm="http://schemas.openxmlformats.org/drawingml/2006/diagram" xmlns:o="urn:schemas-microsoft-com:office:office" xmlns:v="urn:schemas-microsoft-com:vml" xmlns:pvml="urn:schemas-microsoft-com:office:powerpoint" xmlns:com="http://schemas.openxmlformats.org/drawingml/2006/compatibility" xmlns:p14="http://schemas.microsoft.com/office/powerpoint/2010/main" xmlns:p15="http://schemas.microsoft.com/office/powerpoint/2012/main" xmlns:ahyp="http://schemas.microsoft.com/office/drawing/2018/hyperlinkcolor" showMasterPhAnim="0" showMasterSp="0">
   <p:cSld>
@@ -1250,6 +1613,303 @@
       <p:sp>
         <p:nvSpPr>
           <p:cNvPr id="113" name="Google Shape;113;g21e7f5a8eb1_1_11:notes"/>
+          <p:cNvSpPr txBox="1"/>
+          <p:nvPr>
+            <p:ph idx="1" type="body"/>
+          </p:nvPr>
+        </p:nvSpPr>
+        <p:spPr>
+          <a:xfrm>
+            <a:off x="685800" y="4343400"/>
+            <a:ext cx="5486400" cy="4114800"/>
+          </a:xfrm>
+          <a:prstGeom prst="rect">
+            <a:avLst/>
+          </a:prstGeom>
+        </p:spPr>
+        <p:txBody>
+          <a:bodyPr anchorCtr="0" anchor="t" bIns="91425" lIns="91425" spcFirstLastPara="1" rIns="91425" wrap="square" tIns="91425">
+            <a:noAutofit/>
+          </a:bodyPr>
+          <a:lstStyle/>
+          <a:p>
+            <a:pPr indent="0" lvl="0" marL="0" rtl="0" algn="l">
+              <a:spcBef>
+                <a:spcPts val="0"/>
+              </a:spcBef>
+              <a:spcAft>
+                <a:spcPts val="0"/>
+              </a:spcAft>
+              <a:buNone/>
+            </a:pPr>
+            <a:r>
+              <a:t/>
+            </a:r>
+            <a:endParaRPr/>
+          </a:p>
+        </p:txBody>
+      </p:sp>
+    </p:spTree>
+  </p:cSld>
+  <p:clrMapOvr>
+    <a:masterClrMapping/>
+  </p:clrMapOvr>
+</p:notes>
+</file>
+
+<file path=ppt/notesSlides/notesSlide7.xml><?xml version="1.0" encoding="utf-8"?>
+<p:notes xmlns:a="http://schemas.openxmlformats.org/drawingml/2006/main" xmlns:r="http://schemas.openxmlformats.org/officeDocument/2006/relationships" xmlns:mc="http://schemas.openxmlformats.org/markup-compatibility/2006" xmlns:mv="urn:schemas-microsoft-com:mac:vml" xmlns:p="http://schemas.openxmlformats.org/presentationml/2006/main" xmlns:c="http://schemas.openxmlformats.org/drawingml/2006/chart" xmlns:dgm="http://schemas.openxmlformats.org/drawingml/2006/diagram" xmlns:o="urn:schemas-microsoft-com:office:office" xmlns:v="urn:schemas-microsoft-com:vml" xmlns:pvml="urn:schemas-microsoft-com:office:powerpoint" xmlns:com="http://schemas.openxmlformats.org/drawingml/2006/compatibility" xmlns:p14="http://schemas.microsoft.com/office/powerpoint/2010/main" xmlns:p15="http://schemas.microsoft.com/office/powerpoint/2012/main" xmlns:ahyp="http://schemas.microsoft.com/office/drawing/2018/hyperlinkcolor" showMasterPhAnim="0" showMasterSp="0">
+  <p:cSld>
+    <p:spTree>
+      <p:nvGrpSpPr>
+        <p:cNvPr id="117" name="Shape 117"/>
+        <p:cNvGrpSpPr/>
+        <p:nvPr/>
+      </p:nvGrpSpPr>
+      <p:grpSpPr>
+        <a:xfrm>
+          <a:off x="0" y="0"/>
+          <a:ext cx="0" cy="0"/>
+          <a:chOff x="0" y="0"/>
+          <a:chExt cx="0" cy="0"/>
+        </a:xfrm>
+      </p:grpSpPr>
+      <p:sp>
+        <p:nvSpPr>
+          <p:cNvPr id="118" name="Google Shape;118;g22237a301a9_0_5:notes"/>
+          <p:cNvSpPr/>
+          <p:nvPr>
+            <p:ph idx="2" type="sldImg"/>
+          </p:nvPr>
+        </p:nvSpPr>
+        <p:spPr>
+          <a:xfrm>
+            <a:off x="381300" y="685800"/>
+            <a:ext cx="6096000" cy="3429000"/>
+          </a:xfrm>
+          <a:custGeom>
+            <a:rect b="b" l="l" r="r" t="t"/>
+            <a:pathLst>
+              <a:path extrusionOk="0" h="120000" w="120000">
+                <a:moveTo>
+                  <a:pt x="0" y="0"/>
+                </a:moveTo>
+                <a:lnTo>
+                  <a:pt x="120000" y="0"/>
+                </a:lnTo>
+                <a:lnTo>
+                  <a:pt x="120000" y="120000"/>
+                </a:lnTo>
+                <a:lnTo>
+                  <a:pt x="0" y="120000"/>
+                </a:lnTo>
+                <a:close/>
+              </a:path>
+            </a:pathLst>
+          </a:custGeom>
+        </p:spPr>
+      </p:sp>
+      <p:sp>
+        <p:nvSpPr>
+          <p:cNvPr id="119" name="Google Shape;119;g22237a301a9_0_5:notes"/>
+          <p:cNvSpPr txBox="1"/>
+          <p:nvPr>
+            <p:ph idx="1" type="body"/>
+          </p:nvPr>
+        </p:nvSpPr>
+        <p:spPr>
+          <a:xfrm>
+            <a:off x="685800" y="4343400"/>
+            <a:ext cx="5486400" cy="4114800"/>
+          </a:xfrm>
+          <a:prstGeom prst="rect">
+            <a:avLst/>
+          </a:prstGeom>
+        </p:spPr>
+        <p:txBody>
+          <a:bodyPr anchorCtr="0" anchor="t" bIns="91425" lIns="91425" spcFirstLastPara="1" rIns="91425" wrap="square" tIns="91425">
+            <a:noAutofit/>
+          </a:bodyPr>
+          <a:lstStyle/>
+          <a:p>
+            <a:pPr indent="0" lvl="0" marL="0" rtl="0" algn="l">
+              <a:spcBef>
+                <a:spcPts val="0"/>
+              </a:spcBef>
+              <a:spcAft>
+                <a:spcPts val="0"/>
+              </a:spcAft>
+              <a:buNone/>
+            </a:pPr>
+            <a:r>
+              <a:t/>
+            </a:r>
+            <a:endParaRPr/>
+          </a:p>
+        </p:txBody>
+      </p:sp>
+    </p:spTree>
+  </p:cSld>
+  <p:clrMapOvr>
+    <a:masterClrMapping/>
+  </p:clrMapOvr>
+</p:notes>
+</file>
+
+<file path=ppt/notesSlides/notesSlide8.xml><?xml version="1.0" encoding="utf-8"?>
+<p:notes xmlns:a="http://schemas.openxmlformats.org/drawingml/2006/main" xmlns:r="http://schemas.openxmlformats.org/officeDocument/2006/relationships" xmlns:mc="http://schemas.openxmlformats.org/markup-compatibility/2006" xmlns:mv="urn:schemas-microsoft-com:mac:vml" xmlns:p="http://schemas.openxmlformats.org/presentationml/2006/main" xmlns:c="http://schemas.openxmlformats.org/drawingml/2006/chart" xmlns:dgm="http://schemas.openxmlformats.org/drawingml/2006/diagram" xmlns:o="urn:schemas-microsoft-com:office:office" xmlns:v="urn:schemas-microsoft-com:vml" xmlns:pvml="urn:schemas-microsoft-com:office:powerpoint" xmlns:com="http://schemas.openxmlformats.org/drawingml/2006/compatibility" xmlns:p14="http://schemas.microsoft.com/office/powerpoint/2010/main" xmlns:p15="http://schemas.microsoft.com/office/powerpoint/2012/main" xmlns:ahyp="http://schemas.microsoft.com/office/drawing/2018/hyperlinkcolor" showMasterPhAnim="0" showMasterSp="0">
+  <p:cSld>
+    <p:spTree>
+      <p:nvGrpSpPr>
+        <p:cNvPr id="123" name="Shape 123"/>
+        <p:cNvGrpSpPr/>
+        <p:nvPr/>
+      </p:nvGrpSpPr>
+      <p:grpSpPr>
+        <a:xfrm>
+          <a:off x="0" y="0"/>
+          <a:ext cx="0" cy="0"/>
+          <a:chOff x="0" y="0"/>
+          <a:chExt cx="0" cy="0"/>
+        </a:xfrm>
+      </p:grpSpPr>
+      <p:sp>
+        <p:nvSpPr>
+          <p:cNvPr id="124" name="Google Shape;124;g22237a301a9_0_0:notes"/>
+          <p:cNvSpPr/>
+          <p:nvPr>
+            <p:ph idx="2" type="sldImg"/>
+          </p:nvPr>
+        </p:nvSpPr>
+        <p:spPr>
+          <a:xfrm>
+            <a:off x="381300" y="685800"/>
+            <a:ext cx="6096000" cy="3429000"/>
+          </a:xfrm>
+          <a:custGeom>
+            <a:rect b="b" l="l" r="r" t="t"/>
+            <a:pathLst>
+              <a:path extrusionOk="0" h="120000" w="120000">
+                <a:moveTo>
+                  <a:pt x="0" y="0"/>
+                </a:moveTo>
+                <a:lnTo>
+                  <a:pt x="120000" y="0"/>
+                </a:lnTo>
+                <a:lnTo>
+                  <a:pt x="120000" y="120000"/>
+                </a:lnTo>
+                <a:lnTo>
+                  <a:pt x="0" y="120000"/>
+                </a:lnTo>
+                <a:close/>
+              </a:path>
+            </a:pathLst>
+          </a:custGeom>
+        </p:spPr>
+      </p:sp>
+      <p:sp>
+        <p:nvSpPr>
+          <p:cNvPr id="125" name="Google Shape;125;g22237a301a9_0_0:notes"/>
+          <p:cNvSpPr txBox="1"/>
+          <p:nvPr>
+            <p:ph idx="1" type="body"/>
+          </p:nvPr>
+        </p:nvSpPr>
+        <p:spPr>
+          <a:xfrm>
+            <a:off x="685800" y="4343400"/>
+            <a:ext cx="5486400" cy="4114800"/>
+          </a:xfrm>
+          <a:prstGeom prst="rect">
+            <a:avLst/>
+          </a:prstGeom>
+        </p:spPr>
+        <p:txBody>
+          <a:bodyPr anchorCtr="0" anchor="t" bIns="91425" lIns="91425" spcFirstLastPara="1" rIns="91425" wrap="square" tIns="91425">
+            <a:noAutofit/>
+          </a:bodyPr>
+          <a:lstStyle/>
+          <a:p>
+            <a:pPr indent="0" lvl="0" marL="0" rtl="0" algn="l">
+              <a:spcBef>
+                <a:spcPts val="0"/>
+              </a:spcBef>
+              <a:spcAft>
+                <a:spcPts val="0"/>
+              </a:spcAft>
+              <a:buNone/>
+            </a:pPr>
+            <a:r>
+              <a:t/>
+            </a:r>
+            <a:endParaRPr/>
+          </a:p>
+        </p:txBody>
+      </p:sp>
+    </p:spTree>
+  </p:cSld>
+  <p:clrMapOvr>
+    <a:masterClrMapping/>
+  </p:clrMapOvr>
+</p:notes>
+</file>
+
+<file path=ppt/notesSlides/notesSlide9.xml><?xml version="1.0" encoding="utf-8"?>
+<p:notes xmlns:a="http://schemas.openxmlformats.org/drawingml/2006/main" xmlns:r="http://schemas.openxmlformats.org/officeDocument/2006/relationships" xmlns:mc="http://schemas.openxmlformats.org/markup-compatibility/2006" xmlns:mv="urn:schemas-microsoft-com:mac:vml" xmlns:p="http://schemas.openxmlformats.org/presentationml/2006/main" xmlns:c="http://schemas.openxmlformats.org/drawingml/2006/chart" xmlns:dgm="http://schemas.openxmlformats.org/drawingml/2006/diagram" xmlns:o="urn:schemas-microsoft-com:office:office" xmlns:v="urn:schemas-microsoft-com:vml" xmlns:pvml="urn:schemas-microsoft-com:office:powerpoint" xmlns:com="http://schemas.openxmlformats.org/drawingml/2006/compatibility" xmlns:p14="http://schemas.microsoft.com/office/powerpoint/2010/main" xmlns:p15="http://schemas.microsoft.com/office/powerpoint/2012/main" xmlns:ahyp="http://schemas.microsoft.com/office/drawing/2018/hyperlinkcolor" showMasterPhAnim="0" showMasterSp="0">
+  <p:cSld>
+    <p:spTree>
+      <p:nvGrpSpPr>
+        <p:cNvPr id="129" name="Shape 129"/>
+        <p:cNvGrpSpPr/>
+        <p:nvPr/>
+      </p:nvGrpSpPr>
+      <p:grpSpPr>
+        <a:xfrm>
+          <a:off x="0" y="0"/>
+          <a:ext cx="0" cy="0"/>
+          <a:chOff x="0" y="0"/>
+          <a:chExt cx="0" cy="0"/>
+        </a:xfrm>
+      </p:grpSpPr>
+      <p:sp>
+        <p:nvSpPr>
+          <p:cNvPr id="130" name="Google Shape;130;g22237a301a9_0_10:notes"/>
+          <p:cNvSpPr/>
+          <p:nvPr>
+            <p:ph idx="2" type="sldImg"/>
+          </p:nvPr>
+        </p:nvSpPr>
+        <p:spPr>
+          <a:xfrm>
+            <a:off x="381300" y="685800"/>
+            <a:ext cx="6096000" cy="3429000"/>
+          </a:xfrm>
+          <a:custGeom>
+            <a:rect b="b" l="l" r="r" t="t"/>
+            <a:pathLst>
+              <a:path extrusionOk="0" h="120000" w="120000">
+                <a:moveTo>
+                  <a:pt x="0" y="0"/>
+                </a:moveTo>
+                <a:lnTo>
+                  <a:pt x="120000" y="0"/>
+                </a:lnTo>
+                <a:lnTo>
+                  <a:pt x="120000" y="120000"/>
+                </a:lnTo>
+                <a:lnTo>
+                  <a:pt x="0" y="120000"/>
+                </a:lnTo>
+                <a:close/>
+              </a:path>
+            </a:pathLst>
+          </a:custGeom>
+        </p:spPr>
+      </p:sp>
+      <p:sp>
+        <p:nvSpPr>
+          <p:cNvPr id="131" name="Google Shape;131;g22237a301a9_0_10:notes"/>
           <p:cNvSpPr txBox="1"/>
           <p:nvPr>
             <p:ph idx="1" type="body"/>
@@ -7999,6 +8659,322 @@
 </p:sld>
 </file>
 
+<file path=ppt/slides/slide10.xml><?xml version="1.0" encoding="utf-8"?>
+<p:sld xmlns:a="http://schemas.openxmlformats.org/drawingml/2006/main" xmlns:r="http://schemas.openxmlformats.org/officeDocument/2006/relationships" xmlns:mc="http://schemas.openxmlformats.org/markup-compatibility/2006" xmlns:mv="urn:schemas-microsoft-com:mac:vml" xmlns:p="http://schemas.openxmlformats.org/presentationml/2006/main" xmlns:c="http://schemas.openxmlformats.org/drawingml/2006/chart" xmlns:dgm="http://schemas.openxmlformats.org/drawingml/2006/diagram" xmlns:o="urn:schemas-microsoft-com:office:office" xmlns:v="urn:schemas-microsoft-com:vml" xmlns:pvml="urn:schemas-microsoft-com:office:powerpoint" xmlns:com="http://schemas.openxmlformats.org/drawingml/2006/compatibility" xmlns:p14="http://schemas.microsoft.com/office/powerpoint/2010/main" xmlns:p15="http://schemas.microsoft.com/office/powerpoint/2012/main" xmlns:ahyp="http://schemas.microsoft.com/office/drawing/2018/hyperlinkcolor">
+  <p:cSld>
+    <p:spTree>
+      <p:nvGrpSpPr>
+        <p:cNvPr id="138" name="Shape 138"/>
+        <p:cNvGrpSpPr/>
+        <p:nvPr/>
+      </p:nvGrpSpPr>
+      <p:grpSpPr>
+        <a:xfrm>
+          <a:off x="0" y="0"/>
+          <a:ext cx="0" cy="0"/>
+          <a:chOff x="0" y="0"/>
+          <a:chExt cx="0" cy="0"/>
+        </a:xfrm>
+      </p:grpSpPr>
+      <p:sp>
+        <p:nvSpPr>
+          <p:cNvPr id="139" name="Google Shape;139;p22"/>
+          <p:cNvSpPr txBox="1"/>
+          <p:nvPr>
+            <p:ph type="title"/>
+          </p:nvPr>
+        </p:nvSpPr>
+        <p:spPr>
+          <a:xfrm>
+            <a:off x="311700" y="410000"/>
+            <a:ext cx="8520600" cy="607800"/>
+          </a:xfrm>
+          <a:prstGeom prst="rect">
+            <a:avLst/>
+          </a:prstGeom>
+        </p:spPr>
+        <p:txBody>
+          <a:bodyPr anchorCtr="0" anchor="t" bIns="91425" lIns="91425" spcFirstLastPara="1" rIns="91425" wrap="square" tIns="91425">
+            <a:normAutofit fontScale="90000"/>
+          </a:bodyPr>
+          <a:lstStyle/>
+          <a:p>
+            <a:pPr indent="0" lvl="0" marL="0" rtl="0" algn="l">
+              <a:spcBef>
+                <a:spcPts val="0"/>
+              </a:spcBef>
+              <a:spcAft>
+                <a:spcPts val="0"/>
+              </a:spcAft>
+              <a:buNone/>
+            </a:pPr>
+            <a:r>
+              <a:rPr lang="en"/>
+              <a:t>Main Challenges</a:t>
+            </a:r>
+            <a:endParaRPr/>
+          </a:p>
+        </p:txBody>
+      </p:sp>
+      <p:sp>
+        <p:nvSpPr>
+          <p:cNvPr id="140" name="Google Shape;140;p22"/>
+          <p:cNvSpPr txBox="1"/>
+          <p:nvPr>
+            <p:ph idx="1" type="body"/>
+          </p:nvPr>
+        </p:nvSpPr>
+        <p:spPr>
+          <a:xfrm>
+            <a:off x="311700" y="1229875"/>
+            <a:ext cx="8520600" cy="3339000"/>
+          </a:xfrm>
+          <a:prstGeom prst="rect">
+            <a:avLst/>
+          </a:prstGeom>
+        </p:spPr>
+        <p:txBody>
+          <a:bodyPr anchorCtr="0" anchor="t" bIns="91425" lIns="91425" spcFirstLastPara="1" rIns="91425" wrap="square" tIns="91425">
+            <a:normAutofit/>
+          </a:bodyPr>
+          <a:lstStyle/>
+          <a:p>
+            <a:pPr indent="0" lvl="0" marL="0" rtl="0" algn="l">
+              <a:spcBef>
+                <a:spcPts val="0"/>
+              </a:spcBef>
+              <a:spcAft>
+                <a:spcPts val="1200"/>
+              </a:spcAft>
+              <a:buNone/>
+            </a:pPr>
+            <a:r>
+              <a:t/>
+            </a:r>
+            <a:endParaRPr/>
+          </a:p>
+        </p:txBody>
+      </p:sp>
+    </p:spTree>
+  </p:cSld>
+  <p:clrMapOvr>
+    <a:masterClrMapping/>
+  </p:clrMapOvr>
+</p:sld>
+</file>
+
+<file path=ppt/slides/slide11.xml><?xml version="1.0" encoding="utf-8"?>
+<p:sld xmlns:a="http://schemas.openxmlformats.org/drawingml/2006/main" xmlns:r="http://schemas.openxmlformats.org/officeDocument/2006/relationships" xmlns:mc="http://schemas.openxmlformats.org/markup-compatibility/2006" xmlns:mv="urn:schemas-microsoft-com:mac:vml" xmlns:p="http://schemas.openxmlformats.org/presentationml/2006/main" xmlns:c="http://schemas.openxmlformats.org/drawingml/2006/chart" xmlns:dgm="http://schemas.openxmlformats.org/drawingml/2006/diagram" xmlns:o="urn:schemas-microsoft-com:office:office" xmlns:v="urn:schemas-microsoft-com:vml" xmlns:pvml="urn:schemas-microsoft-com:office:powerpoint" xmlns:com="http://schemas.openxmlformats.org/drawingml/2006/compatibility" xmlns:p14="http://schemas.microsoft.com/office/powerpoint/2010/main" xmlns:p15="http://schemas.microsoft.com/office/powerpoint/2012/main" xmlns:ahyp="http://schemas.microsoft.com/office/drawing/2018/hyperlinkcolor">
+  <p:cSld>
+    <p:spTree>
+      <p:nvGrpSpPr>
+        <p:cNvPr id="144" name="Shape 144"/>
+        <p:cNvGrpSpPr/>
+        <p:nvPr/>
+      </p:nvGrpSpPr>
+      <p:grpSpPr>
+        <a:xfrm>
+          <a:off x="0" y="0"/>
+          <a:ext cx="0" cy="0"/>
+          <a:chOff x="0" y="0"/>
+          <a:chExt cx="0" cy="0"/>
+        </a:xfrm>
+      </p:grpSpPr>
+      <p:sp>
+        <p:nvSpPr>
+          <p:cNvPr id="145" name="Google Shape;145;p23"/>
+          <p:cNvSpPr txBox="1"/>
+          <p:nvPr>
+            <p:ph type="title"/>
+          </p:nvPr>
+        </p:nvSpPr>
+        <p:spPr>
+          <a:xfrm>
+            <a:off x="311700" y="410000"/>
+            <a:ext cx="8520600" cy="607800"/>
+          </a:xfrm>
+          <a:prstGeom prst="rect">
+            <a:avLst/>
+          </a:prstGeom>
+        </p:spPr>
+        <p:txBody>
+          <a:bodyPr anchorCtr="0" anchor="t" bIns="91425" lIns="91425" spcFirstLastPara="1" rIns="91425" wrap="square" tIns="91425">
+            <a:normAutofit fontScale="90000"/>
+          </a:bodyPr>
+          <a:lstStyle/>
+          <a:p>
+            <a:pPr indent="0" lvl="0" marL="0" rtl="0" algn="l">
+              <a:spcBef>
+                <a:spcPts val="0"/>
+              </a:spcBef>
+              <a:spcAft>
+                <a:spcPts val="0"/>
+              </a:spcAft>
+              <a:buNone/>
+            </a:pPr>
+            <a:r>
+              <a:rPr lang="en"/>
+              <a:t>What We Would Do </a:t>
+            </a:r>
+            <a:r>
+              <a:rPr lang="en"/>
+              <a:t>Differently</a:t>
+            </a:r>
+            <a:endParaRPr/>
+          </a:p>
+        </p:txBody>
+      </p:sp>
+      <p:sp>
+        <p:nvSpPr>
+          <p:cNvPr id="146" name="Google Shape;146;p23"/>
+          <p:cNvSpPr txBox="1"/>
+          <p:nvPr>
+            <p:ph idx="1" type="body"/>
+          </p:nvPr>
+        </p:nvSpPr>
+        <p:spPr>
+          <a:xfrm>
+            <a:off x="311700" y="1229875"/>
+            <a:ext cx="8520600" cy="3339000"/>
+          </a:xfrm>
+          <a:prstGeom prst="rect">
+            <a:avLst/>
+          </a:prstGeom>
+        </p:spPr>
+        <p:txBody>
+          <a:bodyPr anchorCtr="0" anchor="t" bIns="91425" lIns="91425" spcFirstLastPara="1" rIns="91425" wrap="square" tIns="91425">
+            <a:normAutofit/>
+          </a:bodyPr>
+          <a:lstStyle/>
+          <a:p>
+            <a:pPr indent="0" lvl="0" marL="0" rtl="0" algn="l">
+              <a:spcBef>
+                <a:spcPts val="0"/>
+              </a:spcBef>
+              <a:spcAft>
+                <a:spcPts val="1200"/>
+              </a:spcAft>
+              <a:buNone/>
+            </a:pPr>
+            <a:r>
+              <a:t/>
+            </a:r>
+            <a:endParaRPr/>
+          </a:p>
+        </p:txBody>
+      </p:sp>
+    </p:spTree>
+  </p:cSld>
+  <p:clrMapOvr>
+    <a:masterClrMapping/>
+  </p:clrMapOvr>
+</p:sld>
+</file>
+
+<file path=ppt/slides/slide12.xml><?xml version="1.0" encoding="utf-8"?>
+<p:sld xmlns:a="http://schemas.openxmlformats.org/drawingml/2006/main" xmlns:r="http://schemas.openxmlformats.org/officeDocument/2006/relationships" xmlns:mc="http://schemas.openxmlformats.org/markup-compatibility/2006" xmlns:mv="urn:schemas-microsoft-com:mac:vml" xmlns:p="http://schemas.openxmlformats.org/presentationml/2006/main" xmlns:c="http://schemas.openxmlformats.org/drawingml/2006/chart" xmlns:dgm="http://schemas.openxmlformats.org/drawingml/2006/diagram" xmlns:o="urn:schemas-microsoft-com:office:office" xmlns:v="urn:schemas-microsoft-com:vml" xmlns:pvml="urn:schemas-microsoft-com:office:powerpoint" xmlns:com="http://schemas.openxmlformats.org/drawingml/2006/compatibility" xmlns:p14="http://schemas.microsoft.com/office/powerpoint/2010/main" xmlns:p15="http://schemas.microsoft.com/office/powerpoint/2012/main" xmlns:ahyp="http://schemas.microsoft.com/office/drawing/2018/hyperlinkcolor">
+  <p:cSld>
+    <p:spTree>
+      <p:nvGrpSpPr>
+        <p:cNvPr id="150" name="Shape 150"/>
+        <p:cNvGrpSpPr/>
+        <p:nvPr/>
+      </p:nvGrpSpPr>
+      <p:grpSpPr>
+        <a:xfrm>
+          <a:off x="0" y="0"/>
+          <a:ext cx="0" cy="0"/>
+          <a:chOff x="0" y="0"/>
+          <a:chExt cx="0" cy="0"/>
+        </a:xfrm>
+      </p:grpSpPr>
+      <p:sp>
+        <p:nvSpPr>
+          <p:cNvPr id="151" name="Google Shape;151;p24"/>
+          <p:cNvSpPr txBox="1"/>
+          <p:nvPr>
+            <p:ph type="title"/>
+          </p:nvPr>
+        </p:nvSpPr>
+        <p:spPr>
+          <a:xfrm>
+            <a:off x="311700" y="410000"/>
+            <a:ext cx="8520600" cy="607800"/>
+          </a:xfrm>
+          <a:prstGeom prst="rect">
+            <a:avLst/>
+          </a:prstGeom>
+        </p:spPr>
+        <p:txBody>
+          <a:bodyPr anchorCtr="0" anchor="t" bIns="91425" lIns="91425" spcFirstLastPara="1" rIns="91425" wrap="square" tIns="91425">
+            <a:normAutofit fontScale="90000"/>
+          </a:bodyPr>
+          <a:lstStyle/>
+          <a:p>
+            <a:pPr indent="0" lvl="0" marL="0" rtl="0" algn="l">
+              <a:spcBef>
+                <a:spcPts val="0"/>
+              </a:spcBef>
+              <a:spcAft>
+                <a:spcPts val="0"/>
+              </a:spcAft>
+              <a:buNone/>
+            </a:pPr>
+            <a:r>
+              <a:rPr lang="en"/>
+              <a:t>Final Findings</a:t>
+            </a:r>
+            <a:endParaRPr/>
+          </a:p>
+        </p:txBody>
+      </p:sp>
+      <p:sp>
+        <p:nvSpPr>
+          <p:cNvPr id="152" name="Google Shape;152;p24"/>
+          <p:cNvSpPr txBox="1"/>
+          <p:nvPr>
+            <p:ph idx="1" type="body"/>
+          </p:nvPr>
+        </p:nvSpPr>
+        <p:spPr>
+          <a:xfrm>
+            <a:off x="311700" y="1229875"/>
+            <a:ext cx="8520600" cy="3339000"/>
+          </a:xfrm>
+          <a:prstGeom prst="rect">
+            <a:avLst/>
+          </a:prstGeom>
+        </p:spPr>
+        <p:txBody>
+          <a:bodyPr anchorCtr="0" anchor="t" bIns="91425" lIns="91425" spcFirstLastPara="1" rIns="91425" wrap="square" tIns="91425">
+            <a:normAutofit/>
+          </a:bodyPr>
+          <a:lstStyle/>
+          <a:p>
+            <a:pPr indent="0" lvl="0" marL="0" rtl="0" algn="l">
+              <a:spcBef>
+                <a:spcPts val="0"/>
+              </a:spcBef>
+              <a:spcAft>
+                <a:spcPts val="1200"/>
+              </a:spcAft>
+              <a:buNone/>
+            </a:pPr>
+            <a:r>
+              <a:t/>
+            </a:r>
+            <a:endParaRPr/>
+          </a:p>
+        </p:txBody>
+      </p:sp>
+    </p:spTree>
+  </p:cSld>
+  <p:clrMapOvr>
+    <a:masterClrMapping/>
+  </p:clrMapOvr>
+</p:sld>
+</file>
+
 <file path=ppt/slides/slide2.xml><?xml version="1.0" encoding="utf-8"?>
 <p:sld xmlns:a="http://schemas.openxmlformats.org/drawingml/2006/main" xmlns:r="http://schemas.openxmlformats.org/officeDocument/2006/relationships" xmlns:mc="http://schemas.openxmlformats.org/markup-compatibility/2006" xmlns:mv="urn:schemas-microsoft-com:mac:vml" xmlns:p="http://schemas.openxmlformats.org/presentationml/2006/main" xmlns:c="http://schemas.openxmlformats.org/drawingml/2006/chart" xmlns:dgm="http://schemas.openxmlformats.org/drawingml/2006/diagram" xmlns:o="urn:schemas-microsoft-com:office:office" xmlns:v="urn:schemas-microsoft-com:vml" xmlns:pvml="urn:schemas-microsoft-com:office:powerpoint" xmlns:com="http://schemas.openxmlformats.org/drawingml/2006/compatibility" xmlns:p14="http://schemas.microsoft.com/office/powerpoint/2010/main" xmlns:p15="http://schemas.microsoft.com/office/powerpoint/2012/main" xmlns:ahyp="http://schemas.microsoft.com/office/drawing/2018/hyperlinkcolor">
   <p:cSld>
@@ -8724,6 +9700,318 @@
               </a:spcAft>
               <a:buSzPts val="1800"/>
               <a:buChar char="●"/>
+            </a:pPr>
+            <a:r>
+              <a:t/>
+            </a:r>
+            <a:endParaRPr/>
+          </a:p>
+        </p:txBody>
+      </p:sp>
+    </p:spTree>
+  </p:cSld>
+  <p:clrMapOvr>
+    <a:masterClrMapping/>
+  </p:clrMapOvr>
+</p:sld>
+</file>
+
+<file path=ppt/slides/slide7.xml><?xml version="1.0" encoding="utf-8"?>
+<p:sld xmlns:a="http://schemas.openxmlformats.org/drawingml/2006/main" xmlns:r="http://schemas.openxmlformats.org/officeDocument/2006/relationships" xmlns:mc="http://schemas.openxmlformats.org/markup-compatibility/2006" xmlns:mv="urn:schemas-microsoft-com:mac:vml" xmlns:p="http://schemas.openxmlformats.org/presentationml/2006/main" xmlns:c="http://schemas.openxmlformats.org/drawingml/2006/chart" xmlns:dgm="http://schemas.openxmlformats.org/drawingml/2006/diagram" xmlns:o="urn:schemas-microsoft-com:office:office" xmlns:v="urn:schemas-microsoft-com:vml" xmlns:pvml="urn:schemas-microsoft-com:office:powerpoint" xmlns:com="http://schemas.openxmlformats.org/drawingml/2006/compatibility" xmlns:p14="http://schemas.microsoft.com/office/powerpoint/2010/main" xmlns:p15="http://schemas.microsoft.com/office/powerpoint/2012/main" xmlns:ahyp="http://schemas.microsoft.com/office/drawing/2018/hyperlinkcolor">
+  <p:cSld>
+    <p:spTree>
+      <p:nvGrpSpPr>
+        <p:cNvPr id="120" name="Shape 120"/>
+        <p:cNvGrpSpPr/>
+        <p:nvPr/>
+      </p:nvGrpSpPr>
+      <p:grpSpPr>
+        <a:xfrm>
+          <a:off x="0" y="0"/>
+          <a:ext cx="0" cy="0"/>
+          <a:chOff x="0" y="0"/>
+          <a:chExt cx="0" cy="0"/>
+        </a:xfrm>
+      </p:grpSpPr>
+      <p:sp>
+        <p:nvSpPr>
+          <p:cNvPr id="121" name="Google Shape;121;p19"/>
+          <p:cNvSpPr txBox="1"/>
+          <p:nvPr>
+            <p:ph type="title"/>
+          </p:nvPr>
+        </p:nvSpPr>
+        <p:spPr>
+          <a:xfrm>
+            <a:off x="311700" y="410000"/>
+            <a:ext cx="8520600" cy="607800"/>
+          </a:xfrm>
+          <a:prstGeom prst="rect">
+            <a:avLst/>
+          </a:prstGeom>
+        </p:spPr>
+        <p:txBody>
+          <a:bodyPr anchorCtr="0" anchor="t" bIns="91425" lIns="91425" spcFirstLastPara="1" rIns="91425" wrap="square" tIns="91425">
+            <a:normAutofit fontScale="90000"/>
+          </a:bodyPr>
+          <a:lstStyle/>
+          <a:p>
+            <a:pPr indent="0" lvl="0" marL="0" rtl="0" algn="l">
+              <a:spcBef>
+                <a:spcPts val="0"/>
+              </a:spcBef>
+              <a:spcAft>
+                <a:spcPts val="0"/>
+              </a:spcAft>
+              <a:buNone/>
+            </a:pPr>
+            <a:r>
+              <a:rPr lang="en"/>
+              <a:t>Languages Used</a:t>
+            </a:r>
+            <a:endParaRPr/>
+          </a:p>
+        </p:txBody>
+      </p:sp>
+      <p:sp>
+        <p:nvSpPr>
+          <p:cNvPr id="122" name="Google Shape;122;p19"/>
+          <p:cNvSpPr txBox="1"/>
+          <p:nvPr>
+            <p:ph idx="1" type="body"/>
+          </p:nvPr>
+        </p:nvSpPr>
+        <p:spPr>
+          <a:xfrm>
+            <a:off x="311700" y="1229875"/>
+            <a:ext cx="8520600" cy="3339000"/>
+          </a:xfrm>
+          <a:prstGeom prst="rect">
+            <a:avLst/>
+          </a:prstGeom>
+        </p:spPr>
+        <p:txBody>
+          <a:bodyPr anchorCtr="0" anchor="t" bIns="91425" lIns="91425" spcFirstLastPara="1" rIns="91425" wrap="square" tIns="91425">
+            <a:normAutofit/>
+          </a:bodyPr>
+          <a:lstStyle/>
+          <a:p>
+            <a:pPr indent="0" lvl="0" marL="0" rtl="0" algn="l">
+              <a:spcBef>
+                <a:spcPts val="0"/>
+              </a:spcBef>
+              <a:spcAft>
+                <a:spcPts val="1200"/>
+              </a:spcAft>
+              <a:buNone/>
+            </a:pPr>
+            <a:r>
+              <a:t/>
+            </a:r>
+            <a:endParaRPr/>
+          </a:p>
+        </p:txBody>
+      </p:sp>
+    </p:spTree>
+  </p:cSld>
+  <p:clrMapOvr>
+    <a:masterClrMapping/>
+  </p:clrMapOvr>
+</p:sld>
+</file>
+
+<file path=ppt/slides/slide8.xml><?xml version="1.0" encoding="utf-8"?>
+<p:sld xmlns:a="http://schemas.openxmlformats.org/drawingml/2006/main" xmlns:r="http://schemas.openxmlformats.org/officeDocument/2006/relationships" xmlns:mc="http://schemas.openxmlformats.org/markup-compatibility/2006" xmlns:mv="urn:schemas-microsoft-com:mac:vml" xmlns:p="http://schemas.openxmlformats.org/presentationml/2006/main" xmlns:c="http://schemas.openxmlformats.org/drawingml/2006/chart" xmlns:dgm="http://schemas.openxmlformats.org/drawingml/2006/diagram" xmlns:o="urn:schemas-microsoft-com:office:office" xmlns:v="urn:schemas-microsoft-com:vml" xmlns:pvml="urn:schemas-microsoft-com:office:powerpoint" xmlns:com="http://schemas.openxmlformats.org/drawingml/2006/compatibility" xmlns:p14="http://schemas.microsoft.com/office/powerpoint/2010/main" xmlns:p15="http://schemas.microsoft.com/office/powerpoint/2012/main" xmlns:ahyp="http://schemas.microsoft.com/office/drawing/2018/hyperlinkcolor">
+  <p:cSld>
+    <p:spTree>
+      <p:nvGrpSpPr>
+        <p:cNvPr id="126" name="Shape 126"/>
+        <p:cNvGrpSpPr/>
+        <p:nvPr/>
+      </p:nvGrpSpPr>
+      <p:grpSpPr>
+        <a:xfrm>
+          <a:off x="0" y="0"/>
+          <a:ext cx="0" cy="0"/>
+          <a:chOff x="0" y="0"/>
+          <a:chExt cx="0" cy="0"/>
+        </a:xfrm>
+      </p:grpSpPr>
+      <p:sp>
+        <p:nvSpPr>
+          <p:cNvPr id="127" name="Google Shape;127;p20"/>
+          <p:cNvSpPr txBox="1"/>
+          <p:nvPr>
+            <p:ph type="title"/>
+          </p:nvPr>
+        </p:nvSpPr>
+        <p:spPr>
+          <a:xfrm>
+            <a:off x="311700" y="410000"/>
+            <a:ext cx="8520600" cy="607800"/>
+          </a:xfrm>
+          <a:prstGeom prst="rect">
+            <a:avLst/>
+          </a:prstGeom>
+        </p:spPr>
+        <p:txBody>
+          <a:bodyPr anchorCtr="0" anchor="t" bIns="91425" lIns="91425" spcFirstLastPara="1" rIns="91425" wrap="square" tIns="91425">
+            <a:normAutofit fontScale="90000"/>
+          </a:bodyPr>
+          <a:lstStyle/>
+          <a:p>
+            <a:pPr indent="0" lvl="0" marL="0" rtl="0" algn="l">
+              <a:spcBef>
+                <a:spcPts val="0"/>
+              </a:spcBef>
+              <a:spcAft>
+                <a:spcPts val="0"/>
+              </a:spcAft>
+              <a:buNone/>
+            </a:pPr>
+            <a:r>
+              <a:rPr lang="en"/>
+              <a:t>Technologies Used</a:t>
+            </a:r>
+            <a:endParaRPr/>
+          </a:p>
+        </p:txBody>
+      </p:sp>
+      <p:sp>
+        <p:nvSpPr>
+          <p:cNvPr id="128" name="Google Shape;128;p20"/>
+          <p:cNvSpPr txBox="1"/>
+          <p:nvPr>
+            <p:ph idx="1" type="body"/>
+          </p:nvPr>
+        </p:nvSpPr>
+        <p:spPr>
+          <a:xfrm>
+            <a:off x="311700" y="1229875"/>
+            <a:ext cx="8520600" cy="3339000"/>
+          </a:xfrm>
+          <a:prstGeom prst="rect">
+            <a:avLst/>
+          </a:prstGeom>
+        </p:spPr>
+        <p:txBody>
+          <a:bodyPr anchorCtr="0" anchor="t" bIns="91425" lIns="91425" spcFirstLastPara="1" rIns="91425" wrap="square" tIns="91425">
+            <a:normAutofit/>
+          </a:bodyPr>
+          <a:lstStyle/>
+          <a:p>
+            <a:pPr indent="0" lvl="0" marL="0" rtl="0" algn="l">
+              <a:spcBef>
+                <a:spcPts val="0"/>
+              </a:spcBef>
+              <a:spcAft>
+                <a:spcPts val="1200"/>
+              </a:spcAft>
+              <a:buNone/>
+            </a:pPr>
+            <a:r>
+              <a:t/>
+            </a:r>
+            <a:endParaRPr/>
+          </a:p>
+        </p:txBody>
+      </p:sp>
+    </p:spTree>
+  </p:cSld>
+  <p:clrMapOvr>
+    <a:masterClrMapping/>
+  </p:clrMapOvr>
+</p:sld>
+</file>
+
+<file path=ppt/slides/slide9.xml><?xml version="1.0" encoding="utf-8"?>
+<p:sld xmlns:a="http://schemas.openxmlformats.org/drawingml/2006/main" xmlns:r="http://schemas.openxmlformats.org/officeDocument/2006/relationships" xmlns:mc="http://schemas.openxmlformats.org/markup-compatibility/2006" xmlns:mv="urn:schemas-microsoft-com:mac:vml" xmlns:p="http://schemas.openxmlformats.org/presentationml/2006/main" xmlns:c="http://schemas.openxmlformats.org/drawingml/2006/chart" xmlns:dgm="http://schemas.openxmlformats.org/drawingml/2006/diagram" xmlns:o="urn:schemas-microsoft-com:office:office" xmlns:v="urn:schemas-microsoft-com:vml" xmlns:pvml="urn:schemas-microsoft-com:office:powerpoint" xmlns:com="http://schemas.openxmlformats.org/drawingml/2006/compatibility" xmlns:p14="http://schemas.microsoft.com/office/powerpoint/2010/main" xmlns:p15="http://schemas.microsoft.com/office/powerpoint/2012/main" xmlns:ahyp="http://schemas.microsoft.com/office/drawing/2018/hyperlinkcolor">
+  <p:cSld>
+    <p:spTree>
+      <p:nvGrpSpPr>
+        <p:cNvPr id="132" name="Shape 132"/>
+        <p:cNvGrpSpPr/>
+        <p:nvPr/>
+      </p:nvGrpSpPr>
+      <p:grpSpPr>
+        <a:xfrm>
+          <a:off x="0" y="0"/>
+          <a:ext cx="0" cy="0"/>
+          <a:chOff x="0" y="0"/>
+          <a:chExt cx="0" cy="0"/>
+        </a:xfrm>
+      </p:grpSpPr>
+      <p:sp>
+        <p:nvSpPr>
+          <p:cNvPr id="133" name="Google Shape;133;p21"/>
+          <p:cNvSpPr txBox="1"/>
+          <p:nvPr>
+            <p:ph type="title"/>
+          </p:nvPr>
+        </p:nvSpPr>
+        <p:spPr>
+          <a:xfrm>
+            <a:off x="311700" y="410000"/>
+            <a:ext cx="8520600" cy="607800"/>
+          </a:xfrm>
+          <a:prstGeom prst="rect">
+            <a:avLst/>
+          </a:prstGeom>
+        </p:spPr>
+        <p:txBody>
+          <a:bodyPr anchorCtr="0" anchor="t" bIns="91425" lIns="91425" spcFirstLastPara="1" rIns="91425" wrap="square" tIns="91425">
+            <a:normAutofit fontScale="90000"/>
+          </a:bodyPr>
+          <a:lstStyle/>
+          <a:p>
+            <a:pPr indent="0" lvl="0" marL="0" rtl="0" algn="l">
+              <a:spcBef>
+                <a:spcPts val="0"/>
+              </a:spcBef>
+              <a:spcAft>
+                <a:spcPts val="0"/>
+              </a:spcAft>
+              <a:buNone/>
+            </a:pPr>
+            <a:r>
+              <a:rPr lang="en"/>
+              <a:t>Analysis Results</a:t>
+            </a:r>
+            <a:endParaRPr/>
+          </a:p>
+        </p:txBody>
+      </p:sp>
+      <p:sp>
+        <p:nvSpPr>
+          <p:cNvPr id="134" name="Google Shape;134;p21"/>
+          <p:cNvSpPr txBox="1"/>
+          <p:nvPr>
+            <p:ph idx="1" type="body"/>
+          </p:nvPr>
+        </p:nvSpPr>
+        <p:spPr>
+          <a:xfrm>
+            <a:off x="311700" y="1229875"/>
+            <a:ext cx="8520600" cy="3339000"/>
+          </a:xfrm>
+          <a:prstGeom prst="rect">
+            <a:avLst/>
+          </a:prstGeom>
+        </p:spPr>
+        <p:txBody>
+          <a:bodyPr anchorCtr="0" anchor="t" bIns="91425" lIns="91425" spcFirstLastPara="1" rIns="91425" wrap="square" tIns="91425">
+            <a:normAutofit/>
+          </a:bodyPr>
+          <a:lstStyle/>
+          <a:p>
+            <a:pPr indent="0" lvl="0" marL="0" rtl="0" algn="l">
+              <a:spcBef>
+                <a:spcPts val="0"/>
+              </a:spcBef>
+              <a:spcAft>
+                <a:spcPts val="1200"/>
+              </a:spcAft>
+              <a:buNone/>
             </a:pPr>
             <a:r>
               <a:t/>

--- a/SlideShow/Data Analytics Final Presentation.pptx
+++ b/SlideShow/Data Analytics Final Presentation.pptx
@@ -9271,7 +9271,84 @@
               <a:buChar char="●"/>
             </a:pPr>
             <a:r>
+              <a:rPr lang="en"/>
+              <a:t>The data set was very complete and gives us plenty of data to work with</a:t>
+            </a:r>
+            <a:endParaRPr/>
+          </a:p>
+          <a:p>
+            <a:pPr indent="0" lvl="0" marL="0" rtl="0" algn="l">
+              <a:spcBef>
+                <a:spcPts val="1200"/>
+              </a:spcBef>
+              <a:spcAft>
+                <a:spcPts val="0"/>
+              </a:spcAft>
+              <a:buNone/>
+            </a:pPr>
+            <a:r>
               <a:t/>
+            </a:r>
+            <a:endParaRPr/>
+          </a:p>
+          <a:p>
+            <a:pPr indent="-342900" lvl="0" marL="457200" rtl="0" algn="l">
+              <a:spcBef>
+                <a:spcPts val="1200"/>
+              </a:spcBef>
+              <a:spcAft>
+                <a:spcPts val="0"/>
+              </a:spcAft>
+              <a:buSzPts val="1800"/>
+              <a:buChar char="●"/>
+            </a:pPr>
+            <a:r>
+              <a:rPr lang="en"/>
+              <a:t>The data gives many </a:t>
+            </a:r>
+            <a:r>
+              <a:rPr lang="en"/>
+              <a:t>variables</a:t>
+            </a:r>
+            <a:r>
+              <a:rPr lang="en"/>
+              <a:t> that </a:t>
+            </a:r>
+            <a:r>
+              <a:rPr lang="en"/>
+              <a:t>will help the strength of the machine learning model</a:t>
+            </a:r>
+            <a:endParaRPr/>
+          </a:p>
+          <a:p>
+            <a:pPr indent="0" lvl="0" marL="0" rtl="0" algn="l">
+              <a:spcBef>
+                <a:spcPts val="1200"/>
+              </a:spcBef>
+              <a:spcAft>
+                <a:spcPts val="0"/>
+              </a:spcAft>
+              <a:buNone/>
+            </a:pPr>
+            <a:r>
+              <a:t/>
+            </a:r>
+            <a:endParaRPr/>
+          </a:p>
+          <a:p>
+            <a:pPr indent="-342900" lvl="0" marL="457200" rtl="0" algn="l">
+              <a:spcBef>
+                <a:spcPts val="1200"/>
+              </a:spcBef>
+              <a:spcAft>
+                <a:spcPts val="0"/>
+              </a:spcAft>
+              <a:buSzPts val="1800"/>
+              <a:buChar char="●"/>
+            </a:pPr>
+            <a:r>
+              <a:rPr lang="en"/>
+              <a:t>The results of our analysis could prove valuable to customers and airlines alike</a:t>
             </a:r>
             <a:endParaRPr/>
           </a:p>

--- a/SlideShow/Data Analytics Final Presentation.pptx
+++ b/SlideShow/Data Analytics Final Presentation.pptx
@@ -20,16 +20,21 @@
     <p:sldId id="265" r:id="rId16"/>
     <p:sldId id="266" r:id="rId17"/>
     <p:sldId id="267" r:id="rId18"/>
+    <p:sldId id="268" r:id="rId19"/>
+    <p:sldId id="269" r:id="rId20"/>
+    <p:sldId id="270" r:id="rId21"/>
+    <p:sldId id="271" r:id="rId22"/>
+    <p:sldId id="272" r:id="rId23"/>
   </p:sldIdLst>
   <p:sldSz cy="5143500" cx="9144000"/>
   <p:notesSz cx="6858000" cy="9144000"/>
   <p:embeddedFontLst>
     <p:embeddedFont>
       <p:font typeface="Roboto"/>
-      <p:regular r:id="rId19"/>
-      <p:bold r:id="rId20"/>
-      <p:italic r:id="rId21"/>
-      <p:boldItalic r:id="rId22"/>
+      <p:regular r:id="rId24"/>
+      <p:bold r:id="rId25"/>
+      <p:italic r:id="rId26"/>
+      <p:boldItalic r:id="rId27"/>
     </p:embeddedFont>
   </p:embeddedFontLst>
   <p:defaultTextStyle>
@@ -282,7 +287,7 @@
 
 <file path=ppt/commentAuthors.xml><?xml version="1.0" encoding="utf-8"?>
 <p:cmAuthorLst xmlns:a="http://schemas.openxmlformats.org/drawingml/2006/main" xmlns:r="http://schemas.openxmlformats.org/officeDocument/2006/relationships" xmlns:mc="http://schemas.openxmlformats.org/markup-compatibility/2006" xmlns:mv="urn:schemas-microsoft-com:mac:vml" xmlns:p="http://schemas.openxmlformats.org/presentationml/2006/main" xmlns:c="http://schemas.openxmlformats.org/drawingml/2006/chart" xmlns:dgm="http://schemas.openxmlformats.org/drawingml/2006/diagram" xmlns:o="urn:schemas-microsoft-com:office:office" xmlns:v="urn:schemas-microsoft-com:vml" xmlns:pvml="urn:schemas-microsoft-com:office:powerpoint" xmlns:com="http://schemas.openxmlformats.org/drawingml/2006/compatibility" xmlns:p14="http://schemas.microsoft.com/office/powerpoint/2010/main" xmlns:p15="http://schemas.microsoft.com/office/powerpoint/2012/main" xmlns:ahyp="http://schemas.microsoft.com/office/drawing/2018/hyperlinkcolor">
-  <p:cmAuthor clrIdx="0" id="0" initials="" lastIdx="6" name="Max R"/>
+  <p:cmAuthor clrIdx="0" id="0" initials="" lastIdx="4" name="Max R"/>
 </p:cmAuthorLst>
 </file>
 
@@ -297,43 +302,25 @@
 
 <file path=ppt/comments/comment2.xml><?xml version="1.0" encoding="utf-8"?>
 <p:cmLst xmlns:a="http://schemas.openxmlformats.org/drawingml/2006/main" xmlns:r="http://schemas.openxmlformats.org/officeDocument/2006/relationships" xmlns:mc="http://schemas.openxmlformats.org/markup-compatibility/2006" xmlns:mv="urn:schemas-microsoft-com:mac:vml" xmlns:p="http://schemas.openxmlformats.org/presentationml/2006/main" xmlns:c="http://schemas.openxmlformats.org/drawingml/2006/chart" xmlns:dgm="http://schemas.openxmlformats.org/drawingml/2006/diagram" xmlns:o="urn:schemas-microsoft-com:office:office" xmlns:v="urn:schemas-microsoft-com:vml" xmlns:pvml="urn:schemas-microsoft-com:office:powerpoint" xmlns:com="http://schemas.openxmlformats.org/drawingml/2006/compatibility" xmlns:p14="http://schemas.microsoft.com/office/powerpoint/2010/main" xmlns:p15="http://schemas.microsoft.com/office/powerpoint/2012/main" xmlns:ahyp="http://schemas.microsoft.com/office/drawing/2018/hyperlinkcolor">
-  <p:cm authorId="0" idx="2" dt="2023-03-22T00:40:12.012">
+  <p:cm authorId="0" idx="2" dt="2023-03-22T00:41:34.410">
     <p:pos x="6000" y="0"/>
-    <p:text>Will be more slides that will all have visualization</p:text>
+    <p:text>Basic overview of Python and the libraries used</p:text>
   </p:cm>
 </p:cmLst>
 </file>
 
 <file path=ppt/comments/comment3.xml><?xml version="1.0" encoding="utf-8"?>
 <p:cmLst xmlns:a="http://schemas.openxmlformats.org/drawingml/2006/main" xmlns:r="http://schemas.openxmlformats.org/officeDocument/2006/relationships" xmlns:mc="http://schemas.openxmlformats.org/markup-compatibility/2006" xmlns:mv="urn:schemas-microsoft-com:mac:vml" xmlns:p="http://schemas.openxmlformats.org/presentationml/2006/main" xmlns:c="http://schemas.openxmlformats.org/drawingml/2006/chart" xmlns:dgm="http://schemas.openxmlformats.org/drawingml/2006/diagram" xmlns:o="urn:schemas-microsoft-com:office:office" xmlns:v="urn:schemas-microsoft-com:vml" xmlns:pvml="urn:schemas-microsoft-com:office:powerpoint" xmlns:com="http://schemas.openxmlformats.org/drawingml/2006/compatibility" xmlns:p14="http://schemas.microsoft.com/office/powerpoint/2010/main" xmlns:p15="http://schemas.microsoft.com/office/powerpoint/2012/main" xmlns:ahyp="http://schemas.microsoft.com/office/drawing/2018/hyperlinkcolor">
-  <p:cm authorId="0" idx="3" dt="2023-03-22T00:41:34.410">
+  <p:cm authorId="0" idx="3" dt="2023-03-22T00:42:19.919">
     <p:pos x="6000" y="0"/>
-    <p:text>Basic overview of Python and the libraries used</p:text>
+    <p:text>Machine Learning breakdown</p:text>
   </p:cm>
 </p:cmLst>
 </file>
 
 <file path=ppt/comments/comment4.xml><?xml version="1.0" encoding="utf-8"?>
 <p:cmLst xmlns:a="http://schemas.openxmlformats.org/drawingml/2006/main" xmlns:r="http://schemas.openxmlformats.org/officeDocument/2006/relationships" xmlns:mc="http://schemas.openxmlformats.org/markup-compatibility/2006" xmlns:mv="urn:schemas-microsoft-com:mac:vml" xmlns:p="http://schemas.openxmlformats.org/presentationml/2006/main" xmlns:c="http://schemas.openxmlformats.org/drawingml/2006/chart" xmlns:dgm="http://schemas.openxmlformats.org/drawingml/2006/diagram" xmlns:o="urn:schemas-microsoft-com:office:office" xmlns:v="urn:schemas-microsoft-com:vml" xmlns:pvml="urn:schemas-microsoft-com:office:powerpoint" xmlns:com="http://schemas.openxmlformats.org/drawingml/2006/compatibility" xmlns:p14="http://schemas.microsoft.com/office/powerpoint/2010/main" xmlns:p15="http://schemas.microsoft.com/office/powerpoint/2012/main" xmlns:ahyp="http://schemas.microsoft.com/office/drawing/2018/hyperlinkcolor">
-  <p:cm authorId="0" idx="4" dt="2023-03-22T00:42:19.919">
-    <p:pos x="6000" y="0"/>
-    <p:text>Machine Learning breakdown</p:text>
-  </p:cm>
-</p:cmLst>
-</file>
-
-<file path=ppt/comments/comment5.xml><?xml version="1.0" encoding="utf-8"?>
-<p:cmLst xmlns:a="http://schemas.openxmlformats.org/drawingml/2006/main" xmlns:r="http://schemas.openxmlformats.org/officeDocument/2006/relationships" xmlns:mc="http://schemas.openxmlformats.org/markup-compatibility/2006" xmlns:mv="urn:schemas-microsoft-com:mac:vml" xmlns:p="http://schemas.openxmlformats.org/presentationml/2006/main" xmlns:c="http://schemas.openxmlformats.org/drawingml/2006/chart" xmlns:dgm="http://schemas.openxmlformats.org/drawingml/2006/diagram" xmlns:o="urn:schemas-microsoft-com:office:office" xmlns:v="urn:schemas-microsoft-com:vml" xmlns:pvml="urn:schemas-microsoft-com:office:powerpoint" xmlns:com="http://schemas.openxmlformats.org/drawingml/2006/compatibility" xmlns:p14="http://schemas.microsoft.com/office/powerpoint/2010/main" xmlns:p15="http://schemas.microsoft.com/office/powerpoint/2012/main" xmlns:ahyp="http://schemas.microsoft.com/office/drawing/2018/hyperlinkcolor">
-  <p:cm authorId="0" idx="5" dt="2023-03-22T00:49:15.446">
-    <p:pos x="6000" y="0"/>
-    <p:text>Multiple visualizations/Dashboard overview</p:text>
-  </p:cm>
-</p:cmLst>
-</file>
-
-<file path=ppt/comments/comment6.xml><?xml version="1.0" encoding="utf-8"?>
-<p:cmLst xmlns:a="http://schemas.openxmlformats.org/drawingml/2006/main" xmlns:r="http://schemas.openxmlformats.org/officeDocument/2006/relationships" xmlns:mc="http://schemas.openxmlformats.org/markup-compatibility/2006" xmlns:mv="urn:schemas-microsoft-com:mac:vml" xmlns:p="http://schemas.openxmlformats.org/presentationml/2006/main" xmlns:c="http://schemas.openxmlformats.org/drawingml/2006/chart" xmlns:dgm="http://schemas.openxmlformats.org/drawingml/2006/diagram" xmlns:o="urn:schemas-microsoft-com:office:office" xmlns:v="urn:schemas-microsoft-com:vml" xmlns:pvml="urn:schemas-microsoft-com:office:powerpoint" xmlns:com="http://schemas.openxmlformats.org/drawingml/2006/compatibility" xmlns:p14="http://schemas.microsoft.com/office/powerpoint/2010/main" xmlns:p15="http://schemas.microsoft.com/office/powerpoint/2012/main" xmlns:ahyp="http://schemas.microsoft.com/office/drawing/2018/hyperlinkcolor">
-  <p:cm authorId="0" idx="6" dt="2023-03-22T00:50:52.995">
+  <p:cm authorId="0" idx="4" dt="2023-03-22T00:50:52.995">
     <p:pos x="6000" y="0"/>
     <p:text>Question answered? and wrap up</p:text>
   </p:cm>
@@ -870,7 +857,7 @@
   <p:cSld>
     <p:spTree>
       <p:nvGrpSpPr>
-        <p:cNvPr id="135" name="Shape 135"/>
+        <p:cNvPr id="138" name="Shape 138"/>
         <p:cNvGrpSpPr/>
         <p:nvPr/>
       </p:nvGrpSpPr>
@@ -884,7 +871,7 @@
       </p:grpSpPr>
       <p:sp>
         <p:nvSpPr>
-          <p:cNvPr id="136" name="Google Shape;136;g22237a301a9_0_25:notes"/>
+          <p:cNvPr id="139" name="Google Shape;139;g22847a47150_2_3:notes"/>
           <p:cNvSpPr/>
           <p:nvPr>
             <p:ph idx="2" type="sldImg"/>
@@ -919,7 +906,7 @@
       </p:sp>
       <p:sp>
         <p:nvSpPr>
-          <p:cNvPr id="137" name="Google Shape;137;g22237a301a9_0_25:notes"/>
+          <p:cNvPr id="140" name="Google Shape;140;g22847a47150_2_3:notes"/>
           <p:cNvSpPr txBox="1"/>
           <p:nvPr>
             <p:ph idx="1" type="body"/>
@@ -969,7 +956,7 @@
   <p:cSld>
     <p:spTree>
       <p:nvGrpSpPr>
-        <p:cNvPr id="141" name="Shape 141"/>
+        <p:cNvPr id="144" name="Shape 144"/>
         <p:cNvGrpSpPr/>
         <p:nvPr/>
       </p:nvGrpSpPr>
@@ -983,7 +970,7 @@
       </p:grpSpPr>
       <p:sp>
         <p:nvSpPr>
-          <p:cNvPr id="142" name="Google Shape;142;g22237a301a9_0_15:notes"/>
+          <p:cNvPr id="145" name="Google Shape;145;g209b1fdaa3f_0_10:notes"/>
           <p:cNvSpPr/>
           <p:nvPr>
             <p:ph idx="2" type="sldImg"/>
@@ -1018,7 +1005,7 @@
       </p:sp>
       <p:sp>
         <p:nvSpPr>
-          <p:cNvPr id="143" name="Google Shape;143;g22237a301a9_0_15:notes"/>
+          <p:cNvPr id="146" name="Google Shape;146;g209b1fdaa3f_0_10:notes"/>
           <p:cNvSpPr txBox="1"/>
           <p:nvPr>
             <p:ph idx="1" type="body"/>
@@ -1068,7 +1055,7 @@
   <p:cSld>
     <p:spTree>
       <p:nvGrpSpPr>
-        <p:cNvPr id="147" name="Shape 147"/>
+        <p:cNvPr id="150" name="Shape 150"/>
         <p:cNvGrpSpPr/>
         <p:nvPr/>
       </p:nvGrpSpPr>
@@ -1082,7 +1069,7 @@
       </p:grpSpPr>
       <p:sp>
         <p:nvSpPr>
-          <p:cNvPr id="148" name="Google Shape;148;g22237a301a9_0_20:notes"/>
+          <p:cNvPr id="151" name="Google Shape;151;g22237a301a9_0_25:notes"/>
           <p:cNvSpPr/>
           <p:nvPr>
             <p:ph idx="2" type="sldImg"/>
@@ -1117,7 +1104,502 @@
       </p:sp>
       <p:sp>
         <p:nvSpPr>
-          <p:cNvPr id="149" name="Google Shape;149;g22237a301a9_0_20:notes"/>
+          <p:cNvPr id="152" name="Google Shape;152;g22237a301a9_0_25:notes"/>
+          <p:cNvSpPr txBox="1"/>
+          <p:nvPr>
+            <p:ph idx="1" type="body"/>
+          </p:nvPr>
+        </p:nvSpPr>
+        <p:spPr>
+          <a:xfrm>
+            <a:off x="685800" y="4343400"/>
+            <a:ext cx="5486400" cy="4114800"/>
+          </a:xfrm>
+          <a:prstGeom prst="rect">
+            <a:avLst/>
+          </a:prstGeom>
+        </p:spPr>
+        <p:txBody>
+          <a:bodyPr anchorCtr="0" anchor="t" bIns="91425" lIns="91425" spcFirstLastPara="1" rIns="91425" wrap="square" tIns="91425">
+            <a:noAutofit/>
+          </a:bodyPr>
+          <a:lstStyle/>
+          <a:p>
+            <a:pPr indent="0" lvl="0" marL="0" rtl="0" algn="l">
+              <a:spcBef>
+                <a:spcPts val="0"/>
+              </a:spcBef>
+              <a:spcAft>
+                <a:spcPts val="0"/>
+              </a:spcAft>
+              <a:buNone/>
+            </a:pPr>
+            <a:r>
+              <a:t/>
+            </a:r>
+            <a:endParaRPr/>
+          </a:p>
+        </p:txBody>
+      </p:sp>
+    </p:spTree>
+  </p:cSld>
+  <p:clrMapOvr>
+    <a:masterClrMapping/>
+  </p:clrMapOvr>
+</p:notes>
+</file>
+
+<file path=ppt/notesSlides/notesSlide13.xml><?xml version="1.0" encoding="utf-8"?>
+<p:notes xmlns:a="http://schemas.openxmlformats.org/drawingml/2006/main" xmlns:r="http://schemas.openxmlformats.org/officeDocument/2006/relationships" xmlns:mc="http://schemas.openxmlformats.org/markup-compatibility/2006" xmlns:mv="urn:schemas-microsoft-com:mac:vml" xmlns:p="http://schemas.openxmlformats.org/presentationml/2006/main" xmlns:c="http://schemas.openxmlformats.org/drawingml/2006/chart" xmlns:dgm="http://schemas.openxmlformats.org/drawingml/2006/diagram" xmlns:o="urn:schemas-microsoft-com:office:office" xmlns:v="urn:schemas-microsoft-com:vml" xmlns:pvml="urn:schemas-microsoft-com:office:powerpoint" xmlns:com="http://schemas.openxmlformats.org/drawingml/2006/compatibility" xmlns:p14="http://schemas.microsoft.com/office/powerpoint/2010/main" xmlns:p15="http://schemas.microsoft.com/office/powerpoint/2012/main" xmlns:ahyp="http://schemas.microsoft.com/office/drawing/2018/hyperlinkcolor" showMasterPhAnim="0" showMasterSp="0">
+  <p:cSld>
+    <p:spTree>
+      <p:nvGrpSpPr>
+        <p:cNvPr id="156" name="Shape 156"/>
+        <p:cNvGrpSpPr/>
+        <p:nvPr/>
+      </p:nvGrpSpPr>
+      <p:grpSpPr>
+        <a:xfrm>
+          <a:off x="0" y="0"/>
+          <a:ext cx="0" cy="0"/>
+          <a:chOff x="0" y="0"/>
+          <a:chExt cx="0" cy="0"/>
+        </a:xfrm>
+      </p:grpSpPr>
+      <p:sp>
+        <p:nvSpPr>
+          <p:cNvPr id="157" name="Google Shape;157;g22237a301a9_0_15:notes"/>
+          <p:cNvSpPr/>
+          <p:nvPr>
+            <p:ph idx="2" type="sldImg"/>
+          </p:nvPr>
+        </p:nvSpPr>
+        <p:spPr>
+          <a:xfrm>
+            <a:off x="381300" y="685800"/>
+            <a:ext cx="6096000" cy="3429000"/>
+          </a:xfrm>
+          <a:custGeom>
+            <a:rect b="b" l="l" r="r" t="t"/>
+            <a:pathLst>
+              <a:path extrusionOk="0" h="120000" w="120000">
+                <a:moveTo>
+                  <a:pt x="0" y="0"/>
+                </a:moveTo>
+                <a:lnTo>
+                  <a:pt x="120000" y="0"/>
+                </a:lnTo>
+                <a:lnTo>
+                  <a:pt x="120000" y="120000"/>
+                </a:lnTo>
+                <a:lnTo>
+                  <a:pt x="0" y="120000"/>
+                </a:lnTo>
+                <a:close/>
+              </a:path>
+            </a:pathLst>
+          </a:custGeom>
+        </p:spPr>
+      </p:sp>
+      <p:sp>
+        <p:nvSpPr>
+          <p:cNvPr id="158" name="Google Shape;158;g22237a301a9_0_15:notes"/>
+          <p:cNvSpPr txBox="1"/>
+          <p:nvPr>
+            <p:ph idx="1" type="body"/>
+          </p:nvPr>
+        </p:nvSpPr>
+        <p:spPr>
+          <a:xfrm>
+            <a:off x="685800" y="4343400"/>
+            <a:ext cx="5486400" cy="4114800"/>
+          </a:xfrm>
+          <a:prstGeom prst="rect">
+            <a:avLst/>
+          </a:prstGeom>
+        </p:spPr>
+        <p:txBody>
+          <a:bodyPr anchorCtr="0" anchor="t" bIns="91425" lIns="91425" spcFirstLastPara="1" rIns="91425" wrap="square" tIns="91425">
+            <a:noAutofit/>
+          </a:bodyPr>
+          <a:lstStyle/>
+          <a:p>
+            <a:pPr indent="0" lvl="0" marL="0" rtl="0" algn="l">
+              <a:spcBef>
+                <a:spcPts val="0"/>
+              </a:spcBef>
+              <a:spcAft>
+                <a:spcPts val="0"/>
+              </a:spcAft>
+              <a:buNone/>
+            </a:pPr>
+            <a:r>
+              <a:t/>
+            </a:r>
+            <a:endParaRPr/>
+          </a:p>
+        </p:txBody>
+      </p:sp>
+    </p:spTree>
+  </p:cSld>
+  <p:clrMapOvr>
+    <a:masterClrMapping/>
+  </p:clrMapOvr>
+</p:notes>
+</file>
+
+<file path=ppt/notesSlides/notesSlide14.xml><?xml version="1.0" encoding="utf-8"?>
+<p:notes xmlns:a="http://schemas.openxmlformats.org/drawingml/2006/main" xmlns:r="http://schemas.openxmlformats.org/officeDocument/2006/relationships" xmlns:mc="http://schemas.openxmlformats.org/markup-compatibility/2006" xmlns:mv="urn:schemas-microsoft-com:mac:vml" xmlns:p="http://schemas.openxmlformats.org/presentationml/2006/main" xmlns:c="http://schemas.openxmlformats.org/drawingml/2006/chart" xmlns:dgm="http://schemas.openxmlformats.org/drawingml/2006/diagram" xmlns:o="urn:schemas-microsoft-com:office:office" xmlns:v="urn:schemas-microsoft-com:vml" xmlns:pvml="urn:schemas-microsoft-com:office:powerpoint" xmlns:com="http://schemas.openxmlformats.org/drawingml/2006/compatibility" xmlns:p14="http://schemas.microsoft.com/office/powerpoint/2010/main" xmlns:p15="http://schemas.microsoft.com/office/powerpoint/2012/main" xmlns:ahyp="http://schemas.microsoft.com/office/drawing/2018/hyperlinkcolor" showMasterPhAnim="0" showMasterSp="0">
+  <p:cSld>
+    <p:spTree>
+      <p:nvGrpSpPr>
+        <p:cNvPr id="162" name="Shape 162"/>
+        <p:cNvGrpSpPr/>
+        <p:nvPr/>
+      </p:nvGrpSpPr>
+      <p:grpSpPr>
+        <a:xfrm>
+          <a:off x="0" y="0"/>
+          <a:ext cx="0" cy="0"/>
+          <a:chOff x="0" y="0"/>
+          <a:chExt cx="0" cy="0"/>
+        </a:xfrm>
+      </p:grpSpPr>
+      <p:sp>
+        <p:nvSpPr>
+          <p:cNvPr id="163" name="Google Shape;163;g22237a301a9_0_20:notes"/>
+          <p:cNvSpPr/>
+          <p:nvPr>
+            <p:ph idx="2" type="sldImg"/>
+          </p:nvPr>
+        </p:nvSpPr>
+        <p:spPr>
+          <a:xfrm>
+            <a:off x="381300" y="685800"/>
+            <a:ext cx="6096000" cy="3429000"/>
+          </a:xfrm>
+          <a:custGeom>
+            <a:rect b="b" l="l" r="r" t="t"/>
+            <a:pathLst>
+              <a:path extrusionOk="0" h="120000" w="120000">
+                <a:moveTo>
+                  <a:pt x="0" y="0"/>
+                </a:moveTo>
+                <a:lnTo>
+                  <a:pt x="120000" y="0"/>
+                </a:lnTo>
+                <a:lnTo>
+                  <a:pt x="120000" y="120000"/>
+                </a:lnTo>
+                <a:lnTo>
+                  <a:pt x="0" y="120000"/>
+                </a:lnTo>
+                <a:close/>
+              </a:path>
+            </a:pathLst>
+          </a:custGeom>
+        </p:spPr>
+      </p:sp>
+      <p:sp>
+        <p:nvSpPr>
+          <p:cNvPr id="164" name="Google Shape;164;g22237a301a9_0_20:notes"/>
+          <p:cNvSpPr txBox="1"/>
+          <p:nvPr>
+            <p:ph idx="1" type="body"/>
+          </p:nvPr>
+        </p:nvSpPr>
+        <p:spPr>
+          <a:xfrm>
+            <a:off x="685800" y="4343400"/>
+            <a:ext cx="5486400" cy="4114800"/>
+          </a:xfrm>
+          <a:prstGeom prst="rect">
+            <a:avLst/>
+          </a:prstGeom>
+        </p:spPr>
+        <p:txBody>
+          <a:bodyPr anchorCtr="0" anchor="t" bIns="91425" lIns="91425" spcFirstLastPara="1" rIns="91425" wrap="square" tIns="91425">
+            <a:noAutofit/>
+          </a:bodyPr>
+          <a:lstStyle/>
+          <a:p>
+            <a:pPr indent="0" lvl="0" marL="0" rtl="0" algn="l">
+              <a:spcBef>
+                <a:spcPts val="0"/>
+              </a:spcBef>
+              <a:spcAft>
+                <a:spcPts val="0"/>
+              </a:spcAft>
+              <a:buNone/>
+            </a:pPr>
+            <a:r>
+              <a:t/>
+            </a:r>
+            <a:endParaRPr/>
+          </a:p>
+        </p:txBody>
+      </p:sp>
+    </p:spTree>
+  </p:cSld>
+  <p:clrMapOvr>
+    <a:masterClrMapping/>
+  </p:clrMapOvr>
+</p:notes>
+</file>
+
+<file path=ppt/notesSlides/notesSlide15.xml><?xml version="1.0" encoding="utf-8"?>
+<p:notes xmlns:a="http://schemas.openxmlformats.org/drawingml/2006/main" xmlns:r="http://schemas.openxmlformats.org/officeDocument/2006/relationships" xmlns:mc="http://schemas.openxmlformats.org/markup-compatibility/2006" xmlns:mv="urn:schemas-microsoft-com:mac:vml" xmlns:p="http://schemas.openxmlformats.org/presentationml/2006/main" xmlns:c="http://schemas.openxmlformats.org/drawingml/2006/chart" xmlns:dgm="http://schemas.openxmlformats.org/drawingml/2006/diagram" xmlns:o="urn:schemas-microsoft-com:office:office" xmlns:v="urn:schemas-microsoft-com:vml" xmlns:pvml="urn:schemas-microsoft-com:office:powerpoint" xmlns:com="http://schemas.openxmlformats.org/drawingml/2006/compatibility" xmlns:p14="http://schemas.microsoft.com/office/powerpoint/2010/main" xmlns:p15="http://schemas.microsoft.com/office/powerpoint/2012/main" xmlns:ahyp="http://schemas.microsoft.com/office/drawing/2018/hyperlinkcolor" showMasterPhAnim="0" showMasterSp="0">
+  <p:cSld>
+    <p:spTree>
+      <p:nvGrpSpPr>
+        <p:cNvPr id="168" name="Shape 168"/>
+        <p:cNvGrpSpPr/>
+        <p:nvPr/>
+      </p:nvGrpSpPr>
+      <p:grpSpPr>
+        <a:xfrm>
+          <a:off x="0" y="0"/>
+          <a:ext cx="0" cy="0"/>
+          <a:chOff x="0" y="0"/>
+          <a:chExt cx="0" cy="0"/>
+        </a:xfrm>
+      </p:grpSpPr>
+      <p:sp>
+        <p:nvSpPr>
+          <p:cNvPr id="169" name="Google Shape;169;g209b1fdaa3f_2_15:notes"/>
+          <p:cNvSpPr/>
+          <p:nvPr>
+            <p:ph idx="2" type="sldImg"/>
+          </p:nvPr>
+        </p:nvSpPr>
+        <p:spPr>
+          <a:xfrm>
+            <a:off x="381300" y="685800"/>
+            <a:ext cx="6096000" cy="3429000"/>
+          </a:xfrm>
+          <a:custGeom>
+            <a:rect b="b" l="l" r="r" t="t"/>
+            <a:pathLst>
+              <a:path extrusionOk="0" h="120000" w="120000">
+                <a:moveTo>
+                  <a:pt x="0" y="0"/>
+                </a:moveTo>
+                <a:lnTo>
+                  <a:pt x="120000" y="0"/>
+                </a:lnTo>
+                <a:lnTo>
+                  <a:pt x="120000" y="120000"/>
+                </a:lnTo>
+                <a:lnTo>
+                  <a:pt x="0" y="120000"/>
+                </a:lnTo>
+                <a:close/>
+              </a:path>
+            </a:pathLst>
+          </a:custGeom>
+        </p:spPr>
+      </p:sp>
+      <p:sp>
+        <p:nvSpPr>
+          <p:cNvPr id="170" name="Google Shape;170;g209b1fdaa3f_2_15:notes"/>
+          <p:cNvSpPr txBox="1"/>
+          <p:nvPr>
+            <p:ph idx="1" type="body"/>
+          </p:nvPr>
+        </p:nvSpPr>
+        <p:spPr>
+          <a:xfrm>
+            <a:off x="685800" y="4343400"/>
+            <a:ext cx="5486400" cy="4114800"/>
+          </a:xfrm>
+          <a:prstGeom prst="rect">
+            <a:avLst/>
+          </a:prstGeom>
+        </p:spPr>
+        <p:txBody>
+          <a:bodyPr anchorCtr="0" anchor="t" bIns="91425" lIns="91425" spcFirstLastPara="1" rIns="91425" wrap="square" tIns="91425">
+            <a:noAutofit/>
+          </a:bodyPr>
+          <a:lstStyle/>
+          <a:p>
+            <a:pPr indent="0" lvl="0" marL="0" rtl="0" algn="l">
+              <a:spcBef>
+                <a:spcPts val="0"/>
+              </a:spcBef>
+              <a:spcAft>
+                <a:spcPts val="0"/>
+              </a:spcAft>
+              <a:buNone/>
+            </a:pPr>
+            <a:r>
+              <a:t/>
+            </a:r>
+            <a:endParaRPr/>
+          </a:p>
+        </p:txBody>
+      </p:sp>
+    </p:spTree>
+  </p:cSld>
+  <p:clrMapOvr>
+    <a:masterClrMapping/>
+  </p:clrMapOvr>
+</p:notes>
+</file>
+
+<file path=ppt/notesSlides/notesSlide16.xml><?xml version="1.0" encoding="utf-8"?>
+<p:notes xmlns:a="http://schemas.openxmlformats.org/drawingml/2006/main" xmlns:r="http://schemas.openxmlformats.org/officeDocument/2006/relationships" xmlns:mc="http://schemas.openxmlformats.org/markup-compatibility/2006" xmlns:mv="urn:schemas-microsoft-com:mac:vml" xmlns:p="http://schemas.openxmlformats.org/presentationml/2006/main" xmlns:c="http://schemas.openxmlformats.org/drawingml/2006/chart" xmlns:dgm="http://schemas.openxmlformats.org/drawingml/2006/diagram" xmlns:o="urn:schemas-microsoft-com:office:office" xmlns:v="urn:schemas-microsoft-com:vml" xmlns:pvml="urn:schemas-microsoft-com:office:powerpoint" xmlns:com="http://schemas.openxmlformats.org/drawingml/2006/compatibility" xmlns:p14="http://schemas.microsoft.com/office/powerpoint/2010/main" xmlns:p15="http://schemas.microsoft.com/office/powerpoint/2012/main" xmlns:ahyp="http://schemas.microsoft.com/office/drawing/2018/hyperlinkcolor" showMasterPhAnim="0" showMasterSp="0">
+  <p:cSld>
+    <p:spTree>
+      <p:nvGrpSpPr>
+        <p:cNvPr id="173" name="Shape 173"/>
+        <p:cNvGrpSpPr/>
+        <p:nvPr/>
+      </p:nvGrpSpPr>
+      <p:grpSpPr>
+        <a:xfrm>
+          <a:off x="0" y="0"/>
+          <a:ext cx="0" cy="0"/>
+          <a:chOff x="0" y="0"/>
+          <a:chExt cx="0" cy="0"/>
+        </a:xfrm>
+      </p:grpSpPr>
+      <p:sp>
+        <p:nvSpPr>
+          <p:cNvPr id="174" name="Google Shape;174;g209b1fdaa3f_2_1:notes"/>
+          <p:cNvSpPr/>
+          <p:nvPr>
+            <p:ph idx="2" type="sldImg"/>
+          </p:nvPr>
+        </p:nvSpPr>
+        <p:spPr>
+          <a:xfrm>
+            <a:off x="381300" y="685800"/>
+            <a:ext cx="6096000" cy="3429000"/>
+          </a:xfrm>
+          <a:custGeom>
+            <a:rect b="b" l="l" r="r" t="t"/>
+            <a:pathLst>
+              <a:path extrusionOk="0" h="120000" w="120000">
+                <a:moveTo>
+                  <a:pt x="0" y="0"/>
+                </a:moveTo>
+                <a:lnTo>
+                  <a:pt x="120000" y="0"/>
+                </a:lnTo>
+                <a:lnTo>
+                  <a:pt x="120000" y="120000"/>
+                </a:lnTo>
+                <a:lnTo>
+                  <a:pt x="0" y="120000"/>
+                </a:lnTo>
+                <a:close/>
+              </a:path>
+            </a:pathLst>
+          </a:custGeom>
+        </p:spPr>
+      </p:sp>
+      <p:sp>
+        <p:nvSpPr>
+          <p:cNvPr id="175" name="Google Shape;175;g209b1fdaa3f_2_1:notes"/>
+          <p:cNvSpPr txBox="1"/>
+          <p:nvPr>
+            <p:ph idx="1" type="body"/>
+          </p:nvPr>
+        </p:nvSpPr>
+        <p:spPr>
+          <a:xfrm>
+            <a:off x="685800" y="4343400"/>
+            <a:ext cx="5486400" cy="4114800"/>
+          </a:xfrm>
+          <a:prstGeom prst="rect">
+            <a:avLst/>
+          </a:prstGeom>
+        </p:spPr>
+        <p:txBody>
+          <a:bodyPr anchorCtr="0" anchor="t" bIns="91425" lIns="91425" spcFirstLastPara="1" rIns="91425" wrap="square" tIns="91425">
+            <a:noAutofit/>
+          </a:bodyPr>
+          <a:lstStyle/>
+          <a:p>
+            <a:pPr indent="0" lvl="0" marL="0" rtl="0" algn="l">
+              <a:spcBef>
+                <a:spcPts val="0"/>
+              </a:spcBef>
+              <a:spcAft>
+                <a:spcPts val="0"/>
+              </a:spcAft>
+              <a:buNone/>
+            </a:pPr>
+            <a:r>
+              <a:t/>
+            </a:r>
+            <a:endParaRPr/>
+          </a:p>
+        </p:txBody>
+      </p:sp>
+    </p:spTree>
+  </p:cSld>
+  <p:clrMapOvr>
+    <a:masterClrMapping/>
+  </p:clrMapOvr>
+</p:notes>
+</file>
+
+<file path=ppt/notesSlides/notesSlide17.xml><?xml version="1.0" encoding="utf-8"?>
+<p:notes xmlns:a="http://schemas.openxmlformats.org/drawingml/2006/main" xmlns:r="http://schemas.openxmlformats.org/officeDocument/2006/relationships" xmlns:mc="http://schemas.openxmlformats.org/markup-compatibility/2006" xmlns:mv="urn:schemas-microsoft-com:mac:vml" xmlns:p="http://schemas.openxmlformats.org/presentationml/2006/main" xmlns:c="http://schemas.openxmlformats.org/drawingml/2006/chart" xmlns:dgm="http://schemas.openxmlformats.org/drawingml/2006/diagram" xmlns:o="urn:schemas-microsoft-com:office:office" xmlns:v="urn:schemas-microsoft-com:vml" xmlns:pvml="urn:schemas-microsoft-com:office:powerpoint" xmlns:com="http://schemas.openxmlformats.org/drawingml/2006/compatibility" xmlns:p14="http://schemas.microsoft.com/office/powerpoint/2010/main" xmlns:p15="http://schemas.microsoft.com/office/powerpoint/2012/main" xmlns:ahyp="http://schemas.microsoft.com/office/drawing/2018/hyperlinkcolor" showMasterPhAnim="0" showMasterSp="0">
+  <p:cSld>
+    <p:spTree>
+      <p:nvGrpSpPr>
+        <p:cNvPr id="178" name="Shape 178"/>
+        <p:cNvGrpSpPr/>
+        <p:nvPr/>
+      </p:nvGrpSpPr>
+      <p:grpSpPr>
+        <a:xfrm>
+          <a:off x="0" y="0"/>
+          <a:ext cx="0" cy="0"/>
+          <a:chOff x="0" y="0"/>
+          <a:chExt cx="0" cy="0"/>
+        </a:xfrm>
+      </p:grpSpPr>
+      <p:sp>
+        <p:nvSpPr>
+          <p:cNvPr id="179" name="Google Shape;179;g209b1fdaa3f_2_7:notes"/>
+          <p:cNvSpPr/>
+          <p:nvPr>
+            <p:ph idx="2" type="sldImg"/>
+          </p:nvPr>
+        </p:nvSpPr>
+        <p:spPr>
+          <a:xfrm>
+            <a:off x="381300" y="685800"/>
+            <a:ext cx="6096000" cy="3429000"/>
+          </a:xfrm>
+          <a:custGeom>
+            <a:rect b="b" l="l" r="r" t="t"/>
+            <a:pathLst>
+              <a:path extrusionOk="0" h="120000" w="120000">
+                <a:moveTo>
+                  <a:pt x="0" y="0"/>
+                </a:moveTo>
+                <a:lnTo>
+                  <a:pt x="120000" y="0"/>
+                </a:lnTo>
+                <a:lnTo>
+                  <a:pt x="120000" y="120000"/>
+                </a:lnTo>
+                <a:lnTo>
+                  <a:pt x="0" y="120000"/>
+                </a:lnTo>
+                <a:close/>
+              </a:path>
+            </a:pathLst>
+          </a:custGeom>
+        </p:spPr>
+      </p:sp>
+      <p:sp>
+        <p:nvSpPr>
+          <p:cNvPr id="180" name="Google Shape;180;g209b1fdaa3f_2_7:notes"/>
           <p:cNvSpPr txBox="1"/>
           <p:nvPr>
             <p:ph idx="1" type="body"/>
@@ -1563,7 +2045,7 @@
   <p:cSld>
     <p:spTree>
       <p:nvGrpSpPr>
-        <p:cNvPr id="111" name="Shape 111"/>
+        <p:cNvPr id="112" name="Shape 112"/>
         <p:cNvGrpSpPr/>
         <p:nvPr/>
       </p:nvGrpSpPr>
@@ -1577,7 +2059,7 @@
       </p:grpSpPr>
       <p:sp>
         <p:nvSpPr>
-          <p:cNvPr id="112" name="Google Shape;112;g21e7f5a8eb1_1_11:notes"/>
+          <p:cNvPr id="113" name="Google Shape;113;g22237a301a9_0_5:notes"/>
           <p:cNvSpPr/>
           <p:nvPr>
             <p:ph idx="2" type="sldImg"/>
@@ -1612,7 +2094,7 @@
       </p:sp>
       <p:sp>
         <p:nvSpPr>
-          <p:cNvPr id="113" name="Google Shape;113;g21e7f5a8eb1_1_11:notes"/>
+          <p:cNvPr id="114" name="Google Shape;114;g22237a301a9_0_5:notes"/>
           <p:cNvSpPr txBox="1"/>
           <p:nvPr>
             <p:ph idx="1" type="body"/>
@@ -1662,7 +2144,7 @@
   <p:cSld>
     <p:spTree>
       <p:nvGrpSpPr>
-        <p:cNvPr id="117" name="Shape 117"/>
+        <p:cNvPr id="118" name="Shape 118"/>
         <p:cNvGrpSpPr/>
         <p:nvPr/>
       </p:nvGrpSpPr>
@@ -1676,7 +2158,7 @@
       </p:grpSpPr>
       <p:sp>
         <p:nvSpPr>
-          <p:cNvPr id="118" name="Google Shape;118;g22237a301a9_0_5:notes"/>
+          <p:cNvPr id="119" name="Google Shape;119;g22237a301a9_0_0:notes"/>
           <p:cNvSpPr/>
           <p:nvPr>
             <p:ph idx="2" type="sldImg"/>
@@ -1711,7 +2193,7 @@
       </p:sp>
       <p:sp>
         <p:nvSpPr>
-          <p:cNvPr id="119" name="Google Shape;119;g22237a301a9_0_5:notes"/>
+          <p:cNvPr id="120" name="Google Shape;120;g22237a301a9_0_0:notes"/>
           <p:cNvSpPr txBox="1"/>
           <p:nvPr>
             <p:ph idx="1" type="body"/>
@@ -1761,7 +2243,7 @@
   <p:cSld>
     <p:spTree>
       <p:nvGrpSpPr>
-        <p:cNvPr id="123" name="Shape 123"/>
+        <p:cNvPr id="124" name="Shape 124"/>
         <p:cNvGrpSpPr/>
         <p:nvPr/>
       </p:nvGrpSpPr>
@@ -1775,7 +2257,7 @@
       </p:grpSpPr>
       <p:sp>
         <p:nvSpPr>
-          <p:cNvPr id="124" name="Google Shape;124;g22237a301a9_0_0:notes"/>
+          <p:cNvPr id="125" name="Google Shape;125;g209b1fdaa3f_0_5:notes"/>
           <p:cNvSpPr/>
           <p:nvPr>
             <p:ph idx="2" type="sldImg"/>
@@ -1810,7 +2292,7 @@
       </p:sp>
       <p:sp>
         <p:nvSpPr>
-          <p:cNvPr id="125" name="Google Shape;125;g22237a301a9_0_0:notes"/>
+          <p:cNvPr id="126" name="Google Shape;126;g209b1fdaa3f_0_5:notes"/>
           <p:cNvSpPr txBox="1"/>
           <p:nvPr>
             <p:ph idx="1" type="body"/>
@@ -1860,7 +2342,7 @@
   <p:cSld>
     <p:spTree>
       <p:nvGrpSpPr>
-        <p:cNvPr id="129" name="Shape 129"/>
+        <p:cNvPr id="131" name="Shape 131"/>
         <p:cNvGrpSpPr/>
         <p:nvPr/>
       </p:nvGrpSpPr>
@@ -1874,7 +2356,7 @@
       </p:grpSpPr>
       <p:sp>
         <p:nvSpPr>
-          <p:cNvPr id="130" name="Google Shape;130;g22237a301a9_0_10:notes"/>
+          <p:cNvPr id="132" name="Google Shape;132;g228f31a27cb_0_1:notes"/>
           <p:cNvSpPr/>
           <p:nvPr>
             <p:ph idx="2" type="sldImg"/>
@@ -1909,7 +2391,7 @@
       </p:sp>
       <p:sp>
         <p:nvSpPr>
-          <p:cNvPr id="131" name="Google Shape;131;g22237a301a9_0_10:notes"/>
+          <p:cNvPr id="133" name="Google Shape;133;g228f31a27cb_0_1:notes"/>
           <p:cNvSpPr txBox="1"/>
           <p:nvPr>
             <p:ph idx="1" type="body"/>
@@ -1940,7 +2422,8 @@
               <a:buNone/>
             </a:pPr>
             <a:r>
-              <a:t/>
+              <a:rPr lang="en"/>
+              <a:t>Notes: Only used part of the total data set for </a:t>
             </a:r>
             <a:endParaRPr/>
           </a:p>
@@ -8664,7 +9147,7 @@
   <p:cSld>
     <p:spTree>
       <p:nvGrpSpPr>
-        <p:cNvPr id="138" name="Shape 138"/>
+        <p:cNvPr id="141" name="Shape 141"/>
         <p:cNvGrpSpPr/>
         <p:nvPr/>
       </p:nvGrpSpPr>
@@ -8678,7 +9161,7 @@
       </p:grpSpPr>
       <p:sp>
         <p:nvSpPr>
-          <p:cNvPr id="139" name="Google Shape;139;p22"/>
+          <p:cNvPr id="142" name="Google Shape;142;p22"/>
           <p:cNvSpPr txBox="1"/>
           <p:nvPr>
             <p:ph type="title"/>
@@ -8710,7 +9193,7 @@
             </a:pPr>
             <a:r>
               <a:rPr lang="en"/>
-              <a:t>Main Challenges</a:t>
+              <a:t>Revisions to the Model and Data</a:t>
             </a:r>
             <a:endParaRPr/>
           </a:p>
@@ -8718,7 +9201,218 @@
       </p:sp>
       <p:sp>
         <p:nvSpPr>
-          <p:cNvPr id="140" name="Google Shape;140;p22"/>
+          <p:cNvPr id="143" name="Google Shape;143;p22"/>
+          <p:cNvSpPr txBox="1"/>
+          <p:nvPr>
+            <p:ph idx="1" type="body"/>
+          </p:nvPr>
+        </p:nvSpPr>
+        <p:spPr>
+          <a:xfrm>
+            <a:off x="311700" y="1229875"/>
+            <a:ext cx="8520600" cy="3339000"/>
+          </a:xfrm>
+          <a:prstGeom prst="rect">
+            <a:avLst/>
+          </a:prstGeom>
+        </p:spPr>
+        <p:txBody>
+          <a:bodyPr anchorCtr="0" anchor="t" bIns="91425" lIns="91425" spcFirstLastPara="1" rIns="91425" wrap="square" tIns="91425">
+            <a:normAutofit/>
+          </a:bodyPr>
+          <a:lstStyle/>
+          <a:p>
+            <a:pPr indent="-342900" lvl="0" marL="457200" rtl="0" algn="l">
+              <a:spcBef>
+                <a:spcPts val="0"/>
+              </a:spcBef>
+              <a:spcAft>
+                <a:spcPts val="0"/>
+              </a:spcAft>
+              <a:buSzPts val="1800"/>
+              <a:buChar char="●"/>
+            </a:pPr>
+            <a:r>
+              <a:rPr lang="en"/>
+              <a:t>Scaled data using StandardScaler from scikit-learn</a:t>
+            </a:r>
+            <a:endParaRPr/>
+          </a:p>
+          <a:p>
+            <a:pPr indent="0" lvl="0" marL="0" rtl="0" algn="l">
+              <a:spcBef>
+                <a:spcPts val="1200"/>
+              </a:spcBef>
+              <a:spcAft>
+                <a:spcPts val="0"/>
+              </a:spcAft>
+              <a:buNone/>
+            </a:pPr>
+            <a:r>
+              <a:t/>
+            </a:r>
+            <a:endParaRPr/>
+          </a:p>
+          <a:p>
+            <a:pPr indent="-342900" lvl="0" marL="457200" rtl="0" algn="l">
+              <a:spcBef>
+                <a:spcPts val="1200"/>
+              </a:spcBef>
+              <a:spcAft>
+                <a:spcPts val="0"/>
+              </a:spcAft>
+              <a:buSzPts val="1800"/>
+              <a:buChar char="●"/>
+            </a:pPr>
+            <a:r>
+              <a:rPr lang="en"/>
+              <a:t>Added another machine </a:t>
+            </a:r>
+            <a:r>
+              <a:rPr lang="en"/>
+              <a:t>learning</a:t>
+            </a:r>
+            <a:r>
+              <a:rPr lang="en"/>
+              <a:t> model: </a:t>
+            </a:r>
+            <a:r>
+              <a:rPr lang="en"/>
+              <a:t>Gradient Boosting Regression</a:t>
+            </a:r>
+            <a:endParaRPr/>
+          </a:p>
+          <a:p>
+            <a:pPr indent="0" lvl="0" marL="0" rtl="0" algn="l">
+              <a:spcBef>
+                <a:spcPts val="1200"/>
+              </a:spcBef>
+              <a:spcAft>
+                <a:spcPts val="0"/>
+              </a:spcAft>
+              <a:buNone/>
+            </a:pPr>
+            <a:r>
+              <a:t/>
+            </a:r>
+            <a:endParaRPr/>
+          </a:p>
+          <a:p>
+            <a:pPr indent="-342900" lvl="0" marL="457200" rtl="0" algn="l">
+              <a:spcBef>
+                <a:spcPts val="1200"/>
+              </a:spcBef>
+              <a:spcAft>
+                <a:spcPts val="0"/>
+              </a:spcAft>
+              <a:buSzPts val="1800"/>
+              <a:buChar char="●"/>
+            </a:pPr>
+            <a:r>
+              <a:t/>
+            </a:r>
+            <a:endParaRPr/>
+          </a:p>
+          <a:p>
+            <a:pPr indent="0" lvl="0" marL="0" rtl="0" algn="l">
+              <a:spcBef>
+                <a:spcPts val="1200"/>
+              </a:spcBef>
+              <a:spcAft>
+                <a:spcPts val="0"/>
+              </a:spcAft>
+              <a:buNone/>
+            </a:pPr>
+            <a:r>
+              <a:t/>
+            </a:r>
+            <a:endParaRPr/>
+          </a:p>
+          <a:p>
+            <a:pPr indent="0" lvl="0" marL="457200" rtl="0" algn="l">
+              <a:spcBef>
+                <a:spcPts val="1200"/>
+              </a:spcBef>
+              <a:spcAft>
+                <a:spcPts val="1200"/>
+              </a:spcAft>
+              <a:buNone/>
+            </a:pPr>
+            <a:r>
+              <a:t/>
+            </a:r>
+            <a:endParaRPr/>
+          </a:p>
+        </p:txBody>
+      </p:sp>
+    </p:spTree>
+  </p:cSld>
+  <p:clrMapOvr>
+    <a:masterClrMapping/>
+  </p:clrMapOvr>
+</p:sld>
+</file>
+
+<file path=ppt/slides/slide11.xml><?xml version="1.0" encoding="utf-8"?>
+<p:sld xmlns:a="http://schemas.openxmlformats.org/drawingml/2006/main" xmlns:r="http://schemas.openxmlformats.org/officeDocument/2006/relationships" xmlns:mc="http://schemas.openxmlformats.org/markup-compatibility/2006" xmlns:mv="urn:schemas-microsoft-com:mac:vml" xmlns:p="http://schemas.openxmlformats.org/presentationml/2006/main" xmlns:c="http://schemas.openxmlformats.org/drawingml/2006/chart" xmlns:dgm="http://schemas.openxmlformats.org/drawingml/2006/diagram" xmlns:o="urn:schemas-microsoft-com:office:office" xmlns:v="urn:schemas-microsoft-com:vml" xmlns:pvml="urn:schemas-microsoft-com:office:powerpoint" xmlns:com="http://schemas.openxmlformats.org/drawingml/2006/compatibility" xmlns:p14="http://schemas.microsoft.com/office/powerpoint/2010/main" xmlns:p15="http://schemas.microsoft.com/office/powerpoint/2012/main" xmlns:ahyp="http://schemas.microsoft.com/office/drawing/2018/hyperlinkcolor">
+  <p:cSld>
+    <p:spTree>
+      <p:nvGrpSpPr>
+        <p:cNvPr id="147" name="Shape 147"/>
+        <p:cNvGrpSpPr/>
+        <p:nvPr/>
+      </p:nvGrpSpPr>
+      <p:grpSpPr>
+        <a:xfrm>
+          <a:off x="0" y="0"/>
+          <a:ext cx="0" cy="0"/>
+          <a:chOff x="0" y="0"/>
+          <a:chExt cx="0" cy="0"/>
+        </a:xfrm>
+      </p:grpSpPr>
+      <p:sp>
+        <p:nvSpPr>
+          <p:cNvPr id="148" name="Google Shape;148;p23"/>
+          <p:cNvSpPr txBox="1"/>
+          <p:nvPr>
+            <p:ph type="title"/>
+          </p:nvPr>
+        </p:nvSpPr>
+        <p:spPr>
+          <a:xfrm>
+            <a:off x="311700" y="410000"/>
+            <a:ext cx="8520600" cy="607800"/>
+          </a:xfrm>
+          <a:prstGeom prst="rect">
+            <a:avLst/>
+          </a:prstGeom>
+        </p:spPr>
+        <p:txBody>
+          <a:bodyPr anchorCtr="0" anchor="t" bIns="91425" lIns="91425" spcFirstLastPara="1" rIns="91425" wrap="square" tIns="91425">
+            <a:normAutofit fontScale="90000"/>
+          </a:bodyPr>
+          <a:lstStyle/>
+          <a:p>
+            <a:pPr indent="0" lvl="0" marL="0" rtl="0" algn="l">
+              <a:spcBef>
+                <a:spcPts val="0"/>
+              </a:spcBef>
+              <a:spcAft>
+                <a:spcPts val="0"/>
+              </a:spcAft>
+              <a:buNone/>
+            </a:pPr>
+            <a:r>
+              <a:rPr lang="en"/>
+              <a:t>Second Analysis Results</a:t>
+            </a:r>
+            <a:endParaRPr/>
+          </a:p>
+        </p:txBody>
+      </p:sp>
+      <p:sp>
+        <p:nvSpPr>
+          <p:cNvPr id="149" name="Google Shape;149;p23"/>
           <p:cNvSpPr txBox="1"/>
           <p:nvPr>
             <p:ph idx="1" type="body"/>
@@ -8763,12 +9457,12 @@
 </p:sld>
 </file>
 
-<file path=ppt/slides/slide11.xml><?xml version="1.0" encoding="utf-8"?>
+<file path=ppt/slides/slide12.xml><?xml version="1.0" encoding="utf-8"?>
 <p:sld xmlns:a="http://schemas.openxmlformats.org/drawingml/2006/main" xmlns:r="http://schemas.openxmlformats.org/officeDocument/2006/relationships" xmlns:mc="http://schemas.openxmlformats.org/markup-compatibility/2006" xmlns:mv="urn:schemas-microsoft-com:mac:vml" xmlns:p="http://schemas.openxmlformats.org/presentationml/2006/main" xmlns:c="http://schemas.openxmlformats.org/drawingml/2006/chart" xmlns:dgm="http://schemas.openxmlformats.org/drawingml/2006/diagram" xmlns:o="urn:schemas-microsoft-com:office:office" xmlns:v="urn:schemas-microsoft-com:vml" xmlns:pvml="urn:schemas-microsoft-com:office:powerpoint" xmlns:com="http://schemas.openxmlformats.org/drawingml/2006/compatibility" xmlns:p14="http://schemas.microsoft.com/office/powerpoint/2010/main" xmlns:p15="http://schemas.microsoft.com/office/powerpoint/2012/main" xmlns:ahyp="http://schemas.microsoft.com/office/drawing/2018/hyperlinkcolor">
   <p:cSld>
     <p:spTree>
       <p:nvGrpSpPr>
-        <p:cNvPr id="144" name="Shape 144"/>
+        <p:cNvPr id="153" name="Shape 153"/>
         <p:cNvGrpSpPr/>
         <p:nvPr/>
       </p:nvGrpSpPr>
@@ -8782,7 +9476,7 @@
       </p:grpSpPr>
       <p:sp>
         <p:nvSpPr>
-          <p:cNvPr id="145" name="Google Shape;145;p23"/>
+          <p:cNvPr id="154" name="Google Shape;154;p24"/>
           <p:cNvSpPr txBox="1"/>
           <p:nvPr>
             <p:ph type="title"/>
@@ -8814,6 +9508,111 @@
             </a:pPr>
             <a:r>
               <a:rPr lang="en"/>
+              <a:t>Main Challenges</a:t>
+            </a:r>
+            <a:endParaRPr/>
+          </a:p>
+        </p:txBody>
+      </p:sp>
+      <p:sp>
+        <p:nvSpPr>
+          <p:cNvPr id="155" name="Google Shape;155;p24"/>
+          <p:cNvSpPr txBox="1"/>
+          <p:nvPr>
+            <p:ph idx="1" type="body"/>
+          </p:nvPr>
+        </p:nvSpPr>
+        <p:spPr>
+          <a:xfrm>
+            <a:off x="311700" y="1229875"/>
+            <a:ext cx="8520600" cy="3339000"/>
+          </a:xfrm>
+          <a:prstGeom prst="rect">
+            <a:avLst/>
+          </a:prstGeom>
+        </p:spPr>
+        <p:txBody>
+          <a:bodyPr anchorCtr="0" anchor="t" bIns="91425" lIns="91425" spcFirstLastPara="1" rIns="91425" wrap="square" tIns="91425">
+            <a:normAutofit/>
+          </a:bodyPr>
+          <a:lstStyle/>
+          <a:p>
+            <a:pPr indent="-342900" lvl="0" marL="457200" rtl="0" algn="l">
+              <a:spcBef>
+                <a:spcPts val="0"/>
+              </a:spcBef>
+              <a:spcAft>
+                <a:spcPts val="0"/>
+              </a:spcAft>
+              <a:buSzPts val="1800"/>
+              <a:buChar char="●"/>
+            </a:pPr>
+            <a:r>
+              <a:t/>
+            </a:r>
+            <a:endParaRPr/>
+          </a:p>
+        </p:txBody>
+      </p:sp>
+    </p:spTree>
+  </p:cSld>
+  <p:clrMapOvr>
+    <a:masterClrMapping/>
+  </p:clrMapOvr>
+</p:sld>
+</file>
+
+<file path=ppt/slides/slide13.xml><?xml version="1.0" encoding="utf-8"?>
+<p:sld xmlns:a="http://schemas.openxmlformats.org/drawingml/2006/main" xmlns:r="http://schemas.openxmlformats.org/officeDocument/2006/relationships" xmlns:mc="http://schemas.openxmlformats.org/markup-compatibility/2006" xmlns:mv="urn:schemas-microsoft-com:mac:vml" xmlns:p="http://schemas.openxmlformats.org/presentationml/2006/main" xmlns:c="http://schemas.openxmlformats.org/drawingml/2006/chart" xmlns:dgm="http://schemas.openxmlformats.org/drawingml/2006/diagram" xmlns:o="urn:schemas-microsoft-com:office:office" xmlns:v="urn:schemas-microsoft-com:vml" xmlns:pvml="urn:schemas-microsoft-com:office:powerpoint" xmlns:com="http://schemas.openxmlformats.org/drawingml/2006/compatibility" xmlns:p14="http://schemas.microsoft.com/office/powerpoint/2010/main" xmlns:p15="http://schemas.microsoft.com/office/powerpoint/2012/main" xmlns:ahyp="http://schemas.microsoft.com/office/drawing/2018/hyperlinkcolor">
+  <p:cSld>
+    <p:spTree>
+      <p:nvGrpSpPr>
+        <p:cNvPr id="159" name="Shape 159"/>
+        <p:cNvGrpSpPr/>
+        <p:nvPr/>
+      </p:nvGrpSpPr>
+      <p:grpSpPr>
+        <a:xfrm>
+          <a:off x="0" y="0"/>
+          <a:ext cx="0" cy="0"/>
+          <a:chOff x="0" y="0"/>
+          <a:chExt cx="0" cy="0"/>
+        </a:xfrm>
+      </p:grpSpPr>
+      <p:sp>
+        <p:nvSpPr>
+          <p:cNvPr id="160" name="Google Shape;160;p25"/>
+          <p:cNvSpPr txBox="1"/>
+          <p:nvPr>
+            <p:ph type="title"/>
+          </p:nvPr>
+        </p:nvSpPr>
+        <p:spPr>
+          <a:xfrm>
+            <a:off x="311700" y="410000"/>
+            <a:ext cx="8520600" cy="607800"/>
+          </a:xfrm>
+          <a:prstGeom prst="rect">
+            <a:avLst/>
+          </a:prstGeom>
+        </p:spPr>
+        <p:txBody>
+          <a:bodyPr anchorCtr="0" anchor="t" bIns="91425" lIns="91425" spcFirstLastPara="1" rIns="91425" wrap="square" tIns="91425">
+            <a:normAutofit fontScale="90000"/>
+          </a:bodyPr>
+          <a:lstStyle/>
+          <a:p>
+            <a:pPr indent="0" lvl="0" marL="0" rtl="0" algn="l">
+              <a:spcBef>
+                <a:spcPts val="0"/>
+              </a:spcBef>
+              <a:spcAft>
+                <a:spcPts val="0"/>
+              </a:spcAft>
+              <a:buNone/>
+            </a:pPr>
+            <a:r>
+              <a:rPr lang="en"/>
               <a:t>What We Would Do </a:t>
             </a:r>
             <a:r>
@@ -8826,7 +9625,144 @@
       </p:sp>
       <p:sp>
         <p:nvSpPr>
-          <p:cNvPr id="146" name="Google Shape;146;p23"/>
+          <p:cNvPr id="161" name="Google Shape;161;p25"/>
+          <p:cNvSpPr txBox="1"/>
+          <p:nvPr>
+            <p:ph idx="1" type="body"/>
+          </p:nvPr>
+        </p:nvSpPr>
+        <p:spPr>
+          <a:xfrm>
+            <a:off x="311700" y="1229875"/>
+            <a:ext cx="8520600" cy="3339000"/>
+          </a:xfrm>
+          <a:prstGeom prst="rect">
+            <a:avLst/>
+          </a:prstGeom>
+        </p:spPr>
+        <p:txBody>
+          <a:bodyPr anchorCtr="0" anchor="t" bIns="91425" lIns="91425" spcFirstLastPara="1" rIns="91425" wrap="square" tIns="91425">
+            <a:normAutofit/>
+          </a:bodyPr>
+          <a:lstStyle/>
+          <a:p>
+            <a:pPr indent="-342900" lvl="0" marL="457200" rtl="0" algn="l">
+              <a:spcBef>
+                <a:spcPts val="0"/>
+              </a:spcBef>
+              <a:spcAft>
+                <a:spcPts val="0"/>
+              </a:spcAft>
+              <a:buSzPts val="1800"/>
+              <a:buChar char="●"/>
+            </a:pPr>
+            <a:r>
+              <a:rPr lang="en"/>
+              <a:t>Breaking down the data into buckets for better classification</a:t>
+            </a:r>
+            <a:endParaRPr/>
+          </a:p>
+          <a:p>
+            <a:pPr indent="0" lvl="0" marL="0" rtl="0" algn="l">
+              <a:spcBef>
+                <a:spcPts val="1200"/>
+              </a:spcBef>
+              <a:spcAft>
+                <a:spcPts val="0"/>
+              </a:spcAft>
+              <a:buNone/>
+            </a:pPr>
+            <a:r>
+              <a:t/>
+            </a:r>
+            <a:endParaRPr/>
+          </a:p>
+          <a:p>
+            <a:pPr indent="-342900" lvl="0" marL="457200" rtl="0" algn="l">
+              <a:spcBef>
+                <a:spcPts val="1200"/>
+              </a:spcBef>
+              <a:spcAft>
+                <a:spcPts val="0"/>
+              </a:spcAft>
+              <a:buSzPts val="1800"/>
+              <a:buChar char="●"/>
+            </a:pPr>
+            <a:r>
+              <a:t/>
+            </a:r>
+            <a:endParaRPr/>
+          </a:p>
+        </p:txBody>
+      </p:sp>
+    </p:spTree>
+  </p:cSld>
+  <p:clrMapOvr>
+    <a:masterClrMapping/>
+  </p:clrMapOvr>
+</p:sld>
+</file>
+
+<file path=ppt/slides/slide14.xml><?xml version="1.0" encoding="utf-8"?>
+<p:sld xmlns:a="http://schemas.openxmlformats.org/drawingml/2006/main" xmlns:r="http://schemas.openxmlformats.org/officeDocument/2006/relationships" xmlns:mc="http://schemas.openxmlformats.org/markup-compatibility/2006" xmlns:mv="urn:schemas-microsoft-com:mac:vml" xmlns:p="http://schemas.openxmlformats.org/presentationml/2006/main" xmlns:c="http://schemas.openxmlformats.org/drawingml/2006/chart" xmlns:dgm="http://schemas.openxmlformats.org/drawingml/2006/diagram" xmlns:o="urn:schemas-microsoft-com:office:office" xmlns:v="urn:schemas-microsoft-com:vml" xmlns:pvml="urn:schemas-microsoft-com:office:powerpoint" xmlns:com="http://schemas.openxmlformats.org/drawingml/2006/compatibility" xmlns:p14="http://schemas.microsoft.com/office/powerpoint/2010/main" xmlns:p15="http://schemas.microsoft.com/office/powerpoint/2012/main" xmlns:ahyp="http://schemas.microsoft.com/office/drawing/2018/hyperlinkcolor">
+  <p:cSld>
+    <p:spTree>
+      <p:nvGrpSpPr>
+        <p:cNvPr id="165" name="Shape 165"/>
+        <p:cNvGrpSpPr/>
+        <p:nvPr/>
+      </p:nvGrpSpPr>
+      <p:grpSpPr>
+        <a:xfrm>
+          <a:off x="0" y="0"/>
+          <a:ext cx="0" cy="0"/>
+          <a:chOff x="0" y="0"/>
+          <a:chExt cx="0" cy="0"/>
+        </a:xfrm>
+      </p:grpSpPr>
+      <p:sp>
+        <p:nvSpPr>
+          <p:cNvPr id="166" name="Google Shape;166;p26"/>
+          <p:cNvSpPr txBox="1"/>
+          <p:nvPr>
+            <p:ph type="title"/>
+          </p:nvPr>
+        </p:nvSpPr>
+        <p:spPr>
+          <a:xfrm>
+            <a:off x="311700" y="410000"/>
+            <a:ext cx="8520600" cy="607800"/>
+          </a:xfrm>
+          <a:prstGeom prst="rect">
+            <a:avLst/>
+          </a:prstGeom>
+        </p:spPr>
+        <p:txBody>
+          <a:bodyPr anchorCtr="0" anchor="t" bIns="91425" lIns="91425" spcFirstLastPara="1" rIns="91425" wrap="square" tIns="91425">
+            <a:normAutofit fontScale="90000"/>
+          </a:bodyPr>
+          <a:lstStyle/>
+          <a:p>
+            <a:pPr indent="0" lvl="0" marL="0" rtl="0" algn="l">
+              <a:spcBef>
+                <a:spcPts val="0"/>
+              </a:spcBef>
+              <a:spcAft>
+                <a:spcPts val="0"/>
+              </a:spcAft>
+              <a:buNone/>
+            </a:pPr>
+            <a:r>
+              <a:rPr lang="en"/>
+              <a:t>Final Findings</a:t>
+            </a:r>
+            <a:endParaRPr/>
+          </a:p>
+        </p:txBody>
+      </p:sp>
+      <p:sp>
+        <p:nvSpPr>
+          <p:cNvPr id="167" name="Google Shape;167;p26"/>
           <p:cNvSpPr txBox="1"/>
           <p:nvPr>
             <p:ph idx="1" type="body"/>
@@ -8871,12 +9807,12 @@
 </p:sld>
 </file>
 
-<file path=ppt/slides/slide12.xml><?xml version="1.0" encoding="utf-8"?>
+<file path=ppt/slides/slide15.xml><?xml version="1.0" encoding="utf-8"?>
 <p:sld xmlns:a="http://schemas.openxmlformats.org/drawingml/2006/main" xmlns:r="http://schemas.openxmlformats.org/officeDocument/2006/relationships" xmlns:mc="http://schemas.openxmlformats.org/markup-compatibility/2006" xmlns:mv="urn:schemas-microsoft-com:mac:vml" xmlns:p="http://schemas.openxmlformats.org/presentationml/2006/main" xmlns:c="http://schemas.openxmlformats.org/drawingml/2006/chart" xmlns:dgm="http://schemas.openxmlformats.org/drawingml/2006/diagram" xmlns:o="urn:schemas-microsoft-com:office:office" xmlns:v="urn:schemas-microsoft-com:vml" xmlns:pvml="urn:schemas-microsoft-com:office:powerpoint" xmlns:com="http://schemas.openxmlformats.org/drawingml/2006/compatibility" xmlns:p14="http://schemas.microsoft.com/office/powerpoint/2010/main" xmlns:p15="http://schemas.microsoft.com/office/powerpoint/2012/main" xmlns:ahyp="http://schemas.microsoft.com/office/drawing/2018/hyperlinkcolor">
   <p:cSld>
     <p:spTree>
       <p:nvGrpSpPr>
-        <p:cNvPr id="150" name="Shape 150"/>
+        <p:cNvPr id="171" name="Shape 171"/>
         <p:cNvGrpSpPr/>
         <p:nvPr/>
       </p:nvGrpSpPr>
@@ -8888,85 +9824,140 @@
           <a:chExt cx="0" cy="0"/>
         </a:xfrm>
       </p:grpSpPr>
-      <p:sp>
-        <p:nvSpPr>
-          <p:cNvPr id="151" name="Google Shape;151;p24"/>
-          <p:cNvSpPr txBox="1"/>
-          <p:nvPr>
-            <p:ph type="title"/>
-          </p:nvPr>
-        </p:nvSpPr>
+      <p:pic>
+        <p:nvPicPr>
+          <p:cNvPr id="172" name="Google Shape;172;p27"/>
+          <p:cNvPicPr preferRelativeResize="0"/>
+          <p:nvPr/>
+        </p:nvPicPr>
+        <p:blipFill>
+          <a:blip r:embed="rId3">
+            <a:alphaModFix/>
+          </a:blip>
+          <a:stretch>
+            <a:fillRect/>
+          </a:stretch>
+        </p:blipFill>
         <p:spPr>
           <a:xfrm>
-            <a:off x="311700" y="410000"/>
-            <a:ext cx="8520600" cy="607800"/>
+            <a:off x="133638" y="1357900"/>
+            <a:ext cx="8876724" cy="2427700"/>
           </a:xfrm>
           <a:prstGeom prst="rect">
             <a:avLst/>
           </a:prstGeom>
+          <a:noFill/>
+          <a:ln>
+            <a:noFill/>
+          </a:ln>
         </p:spPr>
-        <p:txBody>
-          <a:bodyPr anchorCtr="0" anchor="t" bIns="91425" lIns="91425" spcFirstLastPara="1" rIns="91425" wrap="square" tIns="91425">
-            <a:normAutofit fontScale="90000"/>
-          </a:bodyPr>
-          <a:lstStyle/>
-          <a:p>
-            <a:pPr indent="0" lvl="0" marL="0" rtl="0" algn="l">
-              <a:spcBef>
-                <a:spcPts val="0"/>
-              </a:spcBef>
-              <a:spcAft>
-                <a:spcPts val="0"/>
-              </a:spcAft>
-              <a:buNone/>
-            </a:pPr>
-            <a:r>
-              <a:rPr lang="en"/>
-              <a:t>Final Findings</a:t>
-            </a:r>
-            <a:endParaRPr/>
-          </a:p>
-        </p:txBody>
-      </p:sp>
-      <p:sp>
-        <p:nvSpPr>
-          <p:cNvPr id="152" name="Google Shape;152;p24"/>
-          <p:cNvSpPr txBox="1"/>
-          <p:nvPr>
-            <p:ph idx="1" type="body"/>
-          </p:nvPr>
-        </p:nvSpPr>
+      </p:pic>
+    </p:spTree>
+  </p:cSld>
+  <p:clrMapOvr>
+    <a:masterClrMapping/>
+  </p:clrMapOvr>
+</p:sld>
+</file>
+
+<file path=ppt/slides/slide16.xml><?xml version="1.0" encoding="utf-8"?>
+<p:sld xmlns:a="http://schemas.openxmlformats.org/drawingml/2006/main" xmlns:r="http://schemas.openxmlformats.org/officeDocument/2006/relationships" xmlns:mc="http://schemas.openxmlformats.org/markup-compatibility/2006" xmlns:mv="urn:schemas-microsoft-com:mac:vml" xmlns:p="http://schemas.openxmlformats.org/presentationml/2006/main" xmlns:c="http://schemas.openxmlformats.org/drawingml/2006/chart" xmlns:dgm="http://schemas.openxmlformats.org/drawingml/2006/diagram" xmlns:o="urn:schemas-microsoft-com:office:office" xmlns:v="urn:schemas-microsoft-com:vml" xmlns:pvml="urn:schemas-microsoft-com:office:powerpoint" xmlns:com="http://schemas.openxmlformats.org/drawingml/2006/compatibility" xmlns:p14="http://schemas.microsoft.com/office/powerpoint/2010/main" xmlns:p15="http://schemas.microsoft.com/office/powerpoint/2012/main" xmlns:ahyp="http://schemas.microsoft.com/office/drawing/2018/hyperlinkcolor">
+  <p:cSld>
+    <p:spTree>
+      <p:nvGrpSpPr>
+        <p:cNvPr id="176" name="Shape 176"/>
+        <p:cNvGrpSpPr/>
+        <p:nvPr/>
+      </p:nvGrpSpPr>
+      <p:grpSpPr>
+        <a:xfrm>
+          <a:off x="0" y="0"/>
+          <a:ext cx="0" cy="0"/>
+          <a:chOff x="0" y="0"/>
+          <a:chExt cx="0" cy="0"/>
+        </a:xfrm>
+      </p:grpSpPr>
+      <p:pic>
+        <p:nvPicPr>
+          <p:cNvPr id="177" name="Google Shape;177;p28"/>
+          <p:cNvPicPr preferRelativeResize="0"/>
+          <p:nvPr/>
+        </p:nvPicPr>
+        <p:blipFill>
+          <a:blip r:embed="rId3">
+            <a:alphaModFix/>
+          </a:blip>
+          <a:stretch>
+            <a:fillRect/>
+          </a:stretch>
+        </p:blipFill>
         <p:spPr>
           <a:xfrm>
-            <a:off x="311700" y="1229875"/>
-            <a:ext cx="8520600" cy="3339000"/>
+            <a:off x="242900" y="205650"/>
+            <a:ext cx="8658200" cy="4732201"/>
           </a:xfrm>
           <a:prstGeom prst="rect">
             <a:avLst/>
           </a:prstGeom>
+          <a:noFill/>
+          <a:ln>
+            <a:noFill/>
+          </a:ln>
         </p:spPr>
-        <p:txBody>
-          <a:bodyPr anchorCtr="0" anchor="t" bIns="91425" lIns="91425" spcFirstLastPara="1" rIns="91425" wrap="square" tIns="91425">
-            <a:normAutofit/>
-          </a:bodyPr>
-          <a:lstStyle/>
-          <a:p>
-            <a:pPr indent="0" lvl="0" marL="0" rtl="0" algn="l">
-              <a:spcBef>
-                <a:spcPts val="0"/>
-              </a:spcBef>
-              <a:spcAft>
-                <a:spcPts val="1200"/>
-              </a:spcAft>
-              <a:buNone/>
-            </a:pPr>
-            <a:r>
-              <a:t/>
-            </a:r>
-            <a:endParaRPr/>
-          </a:p>
-        </p:txBody>
-      </p:sp>
+      </p:pic>
+    </p:spTree>
+  </p:cSld>
+  <p:clrMapOvr>
+    <a:masterClrMapping/>
+  </p:clrMapOvr>
+</p:sld>
+</file>
+
+<file path=ppt/slides/slide17.xml><?xml version="1.0" encoding="utf-8"?>
+<p:sld xmlns:a="http://schemas.openxmlformats.org/drawingml/2006/main" xmlns:r="http://schemas.openxmlformats.org/officeDocument/2006/relationships" xmlns:mc="http://schemas.openxmlformats.org/markup-compatibility/2006" xmlns:mv="urn:schemas-microsoft-com:mac:vml" xmlns:p="http://schemas.openxmlformats.org/presentationml/2006/main" xmlns:c="http://schemas.openxmlformats.org/drawingml/2006/chart" xmlns:dgm="http://schemas.openxmlformats.org/drawingml/2006/diagram" xmlns:o="urn:schemas-microsoft-com:office:office" xmlns:v="urn:schemas-microsoft-com:vml" xmlns:pvml="urn:schemas-microsoft-com:office:powerpoint" xmlns:com="http://schemas.openxmlformats.org/drawingml/2006/compatibility" xmlns:p14="http://schemas.microsoft.com/office/powerpoint/2010/main" xmlns:p15="http://schemas.microsoft.com/office/powerpoint/2012/main" xmlns:ahyp="http://schemas.microsoft.com/office/drawing/2018/hyperlinkcolor">
+  <p:cSld>
+    <p:spTree>
+      <p:nvGrpSpPr>
+        <p:cNvPr id="181" name="Shape 181"/>
+        <p:cNvGrpSpPr/>
+        <p:nvPr/>
+      </p:nvGrpSpPr>
+      <p:grpSpPr>
+        <a:xfrm>
+          <a:off x="0" y="0"/>
+          <a:ext cx="0" cy="0"/>
+          <a:chOff x="0" y="0"/>
+          <a:chExt cx="0" cy="0"/>
+        </a:xfrm>
+      </p:grpSpPr>
+      <p:pic>
+        <p:nvPicPr>
+          <p:cNvPr id="182" name="Google Shape;182;p29"/>
+          <p:cNvPicPr preferRelativeResize="0"/>
+          <p:nvPr/>
+        </p:nvPicPr>
+        <p:blipFill>
+          <a:blip r:embed="rId3">
+            <a:alphaModFix/>
+          </a:blip>
+          <a:stretch>
+            <a:fillRect/>
+          </a:stretch>
+        </p:blipFill>
+        <p:spPr>
+          <a:xfrm>
+            <a:off x="85813" y="143400"/>
+            <a:ext cx="8972373" cy="4856700"/>
+          </a:xfrm>
+          <a:prstGeom prst="rect">
+            <a:avLst/>
+          </a:prstGeom>
+          <a:noFill/>
+          <a:ln>
+            <a:noFill/>
+          </a:ln>
+        </p:spPr>
+      </p:pic>
     </p:spTree>
   </p:cSld>
   <p:clrMapOvr>
@@ -9051,7 +10042,7 @@
         </p:spPr>
         <p:txBody>
           <a:bodyPr anchorCtr="0" anchor="t" bIns="91425" lIns="91425" spcFirstLastPara="1" rIns="91425" wrap="square" tIns="91425">
-            <a:normAutofit lnSpcReduction="20000"/>
+            <a:normAutofit lnSpcReduction="10000"/>
           </a:bodyPr>
           <a:lstStyle/>
           <a:p>
@@ -9103,7 +10094,24 @@
             </a:r>
             <a:r>
               <a:rPr lang="en"/>
-              <a:t>Expedia between 2022-04-16 and 2022-10-05</a:t>
+              <a:t>Expedia between 2022-04-16 and 2022-10-05.</a:t>
+            </a:r>
+            <a:endParaRPr/>
+          </a:p>
+          <a:p>
+            <a:pPr indent="-317500" lvl="1" marL="914400" rtl="0" algn="l">
+              <a:spcBef>
+                <a:spcPts val="0"/>
+              </a:spcBef>
+              <a:spcAft>
+                <a:spcPts val="0"/>
+              </a:spcAft>
+              <a:buSzPts val="1400"/>
+              <a:buChar char="○"/>
+            </a:pPr>
+            <a:r>
+              <a:rPr lang="en"/>
+              <a:t> Our analysis only uses part of the whole data set for sake of time and computing power</a:t>
             </a:r>
             <a:endParaRPr/>
           </a:p>
@@ -9145,25 +10153,9 @@
                 <a:spcPts val="1200"/>
               </a:spcBef>
               <a:spcAft>
-                <a:spcPts val="0"/>
-              </a:spcAft>
-              <a:buNone/>
-            </a:pPr>
-            <a:r>
-              <a:t/>
-            </a:r>
-            <a:endParaRPr/>
-          </a:p>
-          <a:p>
-            <a:pPr indent="-342900" lvl="0" marL="457200" rtl="0" algn="l">
-              <a:spcBef>
                 <a:spcPts val="1200"/>
-              </a:spcBef>
-              <a:spcAft>
-                <a:spcPts val="0"/>
-              </a:spcAft>
-              <a:buSzPts val="1800"/>
-              <a:buChar char="●"/>
+              </a:spcAft>
+              <a:buNone/>
             </a:pPr>
             <a:r>
               <a:t/>
@@ -9674,12 +10666,105 @@
               <a:buChar char="●"/>
             </a:pPr>
             <a:r>
+              <a:rPr lang="en"/>
+              <a:t>Figuring out the best machine learning model</a:t>
+            </a:r>
+            <a:endParaRPr/>
+          </a:p>
+          <a:p>
+            <a:pPr indent="0" lvl="0" marL="0" rtl="0" algn="l">
+              <a:spcBef>
+                <a:spcPts val="1200"/>
+              </a:spcBef>
+              <a:spcAft>
+                <a:spcPts val="0"/>
+              </a:spcAft>
+              <a:buNone/>
+            </a:pPr>
+            <a:r>
               <a:t/>
+            </a:r>
+            <a:endParaRPr/>
+          </a:p>
+          <a:p>
+            <a:pPr indent="-342900" lvl="0" marL="457200" rtl="0" algn="l">
+              <a:spcBef>
+                <a:spcPts val="1200"/>
+              </a:spcBef>
+              <a:spcAft>
+                <a:spcPts val="0"/>
+              </a:spcAft>
+              <a:buSzPts val="1800"/>
+              <a:buChar char="●"/>
+            </a:pPr>
+            <a:r>
+              <a:rPr lang="en"/>
+              <a:t>Cleaning data for the machine learning model</a:t>
+            </a:r>
+            <a:endParaRPr/>
+          </a:p>
+          <a:p>
+            <a:pPr indent="0" lvl="0" marL="0" rtl="0" algn="l">
+              <a:spcBef>
+                <a:spcPts val="1200"/>
+              </a:spcBef>
+              <a:spcAft>
+                <a:spcPts val="0"/>
+              </a:spcAft>
+              <a:buNone/>
+            </a:pPr>
+            <a:r>
+              <a:t/>
+            </a:r>
+            <a:endParaRPr/>
+          </a:p>
+          <a:p>
+            <a:pPr indent="-342900" lvl="0" marL="457200" rtl="0" algn="l">
+              <a:spcBef>
+                <a:spcPts val="1200"/>
+              </a:spcBef>
+              <a:spcAft>
+                <a:spcPts val="0"/>
+              </a:spcAft>
+              <a:buSzPts val="1800"/>
+              <a:buChar char="●"/>
+            </a:pPr>
+            <a:r>
+              <a:rPr lang="en"/>
+              <a:t>Finding the most relevant columns</a:t>
             </a:r>
             <a:endParaRPr/>
           </a:p>
         </p:txBody>
       </p:sp>
+      <p:pic>
+        <p:nvPicPr>
+          <p:cNvPr id="111" name="Google Shape;111;p17"/>
+          <p:cNvPicPr preferRelativeResize="0"/>
+          <p:nvPr/>
+        </p:nvPicPr>
+        <p:blipFill>
+          <a:blip r:embed="rId4">
+            <a:alphaModFix/>
+          </a:blip>
+          <a:stretch>
+            <a:fillRect/>
+          </a:stretch>
+        </p:blipFill>
+        <p:spPr>
+          <a:xfrm>
+            <a:off x="5598438" y="92263"/>
+            <a:ext cx="3476625" cy="2390775"/>
+          </a:xfrm>
+          <a:prstGeom prst="rect">
+            <a:avLst/>
+          </a:prstGeom>
+          <a:noFill/>
+          <a:ln>
+            <a:noFill/>
+          </a:ln>
+        </p:spPr>
+      </p:pic>
     </p:spTree>
   </p:cSld>
   <p:clrMapOvr>
@@ -9693,7 +10778,7 @@
   <p:cSld>
     <p:spTree>
       <p:nvGrpSpPr>
-        <p:cNvPr id="114" name="Shape 114"/>
+        <p:cNvPr id="115" name="Shape 115"/>
         <p:cNvGrpSpPr/>
         <p:nvPr/>
       </p:nvGrpSpPr>
@@ -9707,7 +10792,7 @@
       </p:grpSpPr>
       <p:sp>
         <p:nvSpPr>
-          <p:cNvPr id="115" name="Google Shape;115;p18"/>
+          <p:cNvPr id="116" name="Google Shape;116;p18"/>
           <p:cNvSpPr txBox="1"/>
           <p:nvPr>
             <p:ph type="title"/>
@@ -9739,7 +10824,7 @@
             </a:pPr>
             <a:r>
               <a:rPr lang="en"/>
-              <a:t>Analysis of the Data</a:t>
+              <a:t>Languages Used</a:t>
             </a:r>
             <a:endParaRPr/>
           </a:p>
@@ -9747,7 +10832,7 @@
       </p:sp>
       <p:sp>
         <p:nvSpPr>
-          <p:cNvPr id="116" name="Google Shape;116;p18"/>
+          <p:cNvPr id="117" name="Google Shape;117;p18"/>
           <p:cNvSpPr txBox="1"/>
           <p:nvPr>
             <p:ph idx="1" type="body"/>
@@ -9779,6 +10864,122 @@
               <a:buChar char="●"/>
             </a:pPr>
             <a:r>
+              <a:rPr lang="en"/>
+              <a:t>Python with Jupyter Notebook</a:t>
+            </a:r>
+            <a:endParaRPr/>
+          </a:p>
+          <a:p>
+            <a:pPr indent="-317500" lvl="1" marL="914400" rtl="0" algn="l">
+              <a:spcBef>
+                <a:spcPts val="0"/>
+              </a:spcBef>
+              <a:spcAft>
+                <a:spcPts val="0"/>
+              </a:spcAft>
+              <a:buSzPts val="1400"/>
+              <a:buChar char="○"/>
+            </a:pPr>
+            <a:r>
+              <a:rPr lang="en"/>
+              <a:t>Numpy</a:t>
+            </a:r>
+            <a:endParaRPr/>
+          </a:p>
+          <a:p>
+            <a:pPr indent="-317500" lvl="1" marL="914400" rtl="0" algn="l">
+              <a:spcBef>
+                <a:spcPts val="0"/>
+              </a:spcBef>
+              <a:spcAft>
+                <a:spcPts val="0"/>
+              </a:spcAft>
+              <a:buSzPts val="1400"/>
+              <a:buChar char="○"/>
+            </a:pPr>
+            <a:r>
+              <a:rPr lang="en"/>
+              <a:t>Pandas</a:t>
+            </a:r>
+            <a:endParaRPr/>
+          </a:p>
+          <a:p>
+            <a:pPr indent="-317500" lvl="1" marL="914400" rtl="0" algn="l">
+              <a:spcBef>
+                <a:spcPts val="0"/>
+              </a:spcBef>
+              <a:spcAft>
+                <a:spcPts val="0"/>
+              </a:spcAft>
+              <a:buSzPts val="1400"/>
+              <a:buChar char="○"/>
+            </a:pPr>
+            <a:r>
+              <a:rPr lang="en"/>
+              <a:t>Scikit-learn</a:t>
+            </a:r>
+            <a:endParaRPr/>
+          </a:p>
+          <a:p>
+            <a:pPr indent="-317500" lvl="1" marL="914400" rtl="0" algn="l">
+              <a:spcBef>
+                <a:spcPts val="0"/>
+              </a:spcBef>
+              <a:spcAft>
+                <a:spcPts val="0"/>
+              </a:spcAft>
+              <a:buSzPts val="1400"/>
+              <a:buChar char="○"/>
+            </a:pPr>
+            <a:r>
+              <a:rPr lang="en"/>
+              <a:t>Matplotlib</a:t>
+            </a:r>
+            <a:endParaRPr/>
+          </a:p>
+          <a:p>
+            <a:pPr indent="0" lvl="0" marL="0" rtl="0" algn="l">
+              <a:spcBef>
+                <a:spcPts val="1200"/>
+              </a:spcBef>
+              <a:spcAft>
+                <a:spcPts val="0"/>
+              </a:spcAft>
+              <a:buNone/>
+            </a:pPr>
+            <a:r>
+              <a:t/>
+            </a:r>
+            <a:endParaRPr/>
+          </a:p>
+          <a:p>
+            <a:pPr indent="-342900" lvl="0" marL="457200" rtl="0" algn="l">
+              <a:spcBef>
+                <a:spcPts val="1200"/>
+              </a:spcBef>
+              <a:spcAft>
+                <a:spcPts val="0"/>
+              </a:spcAft>
+              <a:buSzPts val="1800"/>
+              <a:buChar char="●"/>
+            </a:pPr>
+            <a:r>
+              <a:rPr lang="en"/>
+              <a:t>SQL with pgAdmin</a:t>
+            </a:r>
+            <a:endParaRPr/>
+          </a:p>
+          <a:p>
+            <a:pPr indent="0" lvl="0" marL="0" rtl="0" algn="l">
+              <a:spcBef>
+                <a:spcPts val="1200"/>
+              </a:spcBef>
+              <a:spcAft>
+                <a:spcPts val="1200"/>
+              </a:spcAft>
+              <a:buNone/>
+            </a:pPr>
+            <a:r>
               <a:t/>
             </a:r>
             <a:endParaRPr/>
@@ -9798,7 +10999,7 @@
   <p:cSld>
     <p:spTree>
       <p:nvGrpSpPr>
-        <p:cNvPr id="120" name="Shape 120"/>
+        <p:cNvPr id="121" name="Shape 121"/>
         <p:cNvGrpSpPr/>
         <p:nvPr/>
       </p:nvGrpSpPr>
@@ -9812,7 +11013,7 @@
       </p:grpSpPr>
       <p:sp>
         <p:nvSpPr>
-          <p:cNvPr id="121" name="Google Shape;121;p19"/>
+          <p:cNvPr id="122" name="Google Shape;122;p19"/>
           <p:cNvSpPr txBox="1"/>
           <p:nvPr>
             <p:ph type="title"/>
@@ -9844,7 +11045,7 @@
             </a:pPr>
             <a:r>
               <a:rPr lang="en"/>
-              <a:t>Languages Used</a:t>
+              <a:t>Technologies Used</a:t>
             </a:r>
             <a:endParaRPr/>
           </a:p>
@@ -9852,7 +11053,7 @@
       </p:sp>
       <p:sp>
         <p:nvSpPr>
-          <p:cNvPr id="122" name="Google Shape;122;p19"/>
+          <p:cNvPr id="123" name="Google Shape;123;p19"/>
           <p:cNvSpPr txBox="1"/>
           <p:nvPr>
             <p:ph idx="1" type="body"/>
@@ -9873,9 +11074,90 @@
           </a:bodyPr>
           <a:lstStyle/>
           <a:p>
+            <a:pPr indent="-342900" lvl="0" marL="457200" rtl="0" algn="l">
+              <a:spcBef>
+                <a:spcPts val="0"/>
+              </a:spcBef>
+              <a:spcAft>
+                <a:spcPts val="0"/>
+              </a:spcAft>
+              <a:buSzPts val="1800"/>
+              <a:buChar char="●"/>
+            </a:pPr>
+            <a:r>
+              <a:rPr lang="en"/>
+              <a:t>Kaggle for data set</a:t>
+            </a:r>
+            <a:endParaRPr/>
+          </a:p>
+          <a:p>
             <a:pPr indent="0" lvl="0" marL="0" rtl="0" algn="l">
               <a:spcBef>
-                <a:spcPts val="0"/>
+                <a:spcPts val="1200"/>
+              </a:spcBef>
+              <a:spcAft>
+                <a:spcPts val="0"/>
+              </a:spcAft>
+              <a:buNone/>
+            </a:pPr>
+            <a:r>
+              <a:t/>
+            </a:r>
+            <a:endParaRPr/>
+          </a:p>
+          <a:p>
+            <a:pPr indent="-342900" lvl="0" marL="457200" rtl="0" algn="l">
+              <a:spcBef>
+                <a:spcPts val="1200"/>
+              </a:spcBef>
+              <a:spcAft>
+                <a:spcPts val="0"/>
+              </a:spcAft>
+              <a:buSzPts val="1800"/>
+              <a:buChar char="●"/>
+            </a:pPr>
+            <a:r>
+              <a:rPr lang="en"/>
+              <a:t>Tableau for visualization </a:t>
+            </a:r>
+            <a:endParaRPr/>
+          </a:p>
+          <a:p>
+            <a:pPr indent="0" lvl="0" marL="0" rtl="0" algn="l">
+              <a:spcBef>
+                <a:spcPts val="1200"/>
+              </a:spcBef>
+              <a:spcAft>
+                <a:spcPts val="0"/>
+              </a:spcAft>
+              <a:buNone/>
+            </a:pPr>
+            <a:r>
+              <a:t/>
+            </a:r>
+            <a:endParaRPr/>
+          </a:p>
+          <a:p>
+            <a:pPr indent="-342900" lvl="0" marL="457200" rtl="0" algn="l">
+              <a:spcBef>
+                <a:spcPts val="1200"/>
+              </a:spcBef>
+              <a:spcAft>
+                <a:spcPts val="0"/>
+              </a:spcAft>
+              <a:buSzPts val="1800"/>
+              <a:buChar char="●"/>
+            </a:pPr>
+            <a:r>
+              <a:rPr lang="en"/>
+              <a:t>Linear Regression, RandomForest, (Gradient Boosting Regression) machine learning models</a:t>
+            </a:r>
+            <a:endParaRPr/>
+          </a:p>
+          <a:p>
+            <a:pPr indent="0" lvl="0" marL="0" rtl="0" algn="l">
+              <a:spcBef>
+                <a:spcPts val="1200"/>
               </a:spcBef>
               <a:spcAft>
                 <a:spcPts val="1200"/>
@@ -9902,7 +11184,7 @@
   <p:cSld>
     <p:spTree>
       <p:nvGrpSpPr>
-        <p:cNvPr id="126" name="Shape 126"/>
+        <p:cNvPr id="127" name="Shape 127"/>
         <p:cNvGrpSpPr/>
         <p:nvPr/>
       </p:nvGrpSpPr>
@@ -9916,7 +11198,7 @@
       </p:grpSpPr>
       <p:sp>
         <p:nvSpPr>
-          <p:cNvPr id="127" name="Google Shape;127;p20"/>
+          <p:cNvPr id="128" name="Google Shape;128;p20"/>
           <p:cNvSpPr txBox="1"/>
           <p:nvPr>
             <p:ph type="title"/>
@@ -9948,7 +11230,7 @@
             </a:pPr>
             <a:r>
               <a:rPr lang="en"/>
-              <a:t>Technologies Used</a:t>
+              <a:t>First Analysis</a:t>
             </a:r>
             <a:endParaRPr/>
           </a:p>
@@ -9956,7 +11238,7 @@
       </p:sp>
       <p:sp>
         <p:nvSpPr>
-          <p:cNvPr id="128" name="Google Shape;128;p20"/>
+          <p:cNvPr id="129" name="Google Shape;129;p20"/>
           <p:cNvSpPr txBox="1"/>
           <p:nvPr>
             <p:ph idx="1" type="body"/>
@@ -9977,9 +11259,90 @@
           </a:bodyPr>
           <a:lstStyle/>
           <a:p>
+            <a:pPr indent="-342900" lvl="0" marL="457200" rtl="0" algn="l">
+              <a:spcBef>
+                <a:spcPts val="0"/>
+              </a:spcBef>
+              <a:spcAft>
+                <a:spcPts val="0"/>
+              </a:spcAft>
+              <a:buSzPts val="1800"/>
+              <a:buChar char="●"/>
+            </a:pPr>
+            <a:r>
+              <a:rPr lang="en"/>
+              <a:t>Creating new columns from the original data to use with the machine learning model</a:t>
+            </a:r>
+            <a:endParaRPr/>
+          </a:p>
+          <a:p>
             <a:pPr indent="0" lvl="0" marL="0" rtl="0" algn="l">
               <a:spcBef>
-                <a:spcPts val="0"/>
+                <a:spcPts val="1200"/>
+              </a:spcBef>
+              <a:spcAft>
+                <a:spcPts val="0"/>
+              </a:spcAft>
+              <a:buNone/>
+            </a:pPr>
+            <a:r>
+              <a:t/>
+            </a:r>
+            <a:endParaRPr/>
+          </a:p>
+          <a:p>
+            <a:pPr indent="-342900" lvl="0" marL="457200" rtl="0" algn="l">
+              <a:spcBef>
+                <a:spcPts val="1200"/>
+              </a:spcBef>
+              <a:spcAft>
+                <a:spcPts val="0"/>
+              </a:spcAft>
+              <a:buSzPts val="1800"/>
+              <a:buChar char="●"/>
+            </a:pPr>
+            <a:r>
+              <a:rPr lang="en"/>
+              <a:t>Converting and encoding data for the machine learning model</a:t>
+            </a:r>
+            <a:endParaRPr/>
+          </a:p>
+          <a:p>
+            <a:pPr indent="0" lvl="0" marL="0" rtl="0" algn="l">
+              <a:spcBef>
+                <a:spcPts val="1200"/>
+              </a:spcBef>
+              <a:spcAft>
+                <a:spcPts val="0"/>
+              </a:spcAft>
+              <a:buNone/>
+            </a:pPr>
+            <a:r>
+              <a:t/>
+            </a:r>
+            <a:endParaRPr/>
+          </a:p>
+          <a:p>
+            <a:pPr indent="-342900" lvl="0" marL="457200" rtl="0" algn="l">
+              <a:spcBef>
+                <a:spcPts val="1200"/>
+              </a:spcBef>
+              <a:spcAft>
+                <a:spcPts val="0"/>
+              </a:spcAft>
+              <a:buSzPts val="1800"/>
+              <a:buChar char="●"/>
+            </a:pPr>
+            <a:r>
+              <a:rPr lang="en"/>
+              <a:t>Two machine learning models used: Linear Regression and Random Forest</a:t>
+            </a:r>
+            <a:endParaRPr/>
+          </a:p>
+          <a:p>
+            <a:pPr indent="0" lvl="0" marL="0" rtl="0" algn="l">
+              <a:spcBef>
+                <a:spcPts val="1200"/>
               </a:spcBef>
               <a:spcAft>
                 <a:spcPts val="1200"/>
@@ -9993,6 +11356,34 @@
           </a:p>
         </p:txBody>
       </p:sp>
+      <p:pic>
+        <p:nvPicPr>
+          <p:cNvPr id="130" name="Google Shape;130;p20"/>
+          <p:cNvPicPr preferRelativeResize="0"/>
+          <p:nvPr/>
+        </p:nvPicPr>
+        <p:blipFill>
+          <a:blip r:embed="rId3">
+            <a:alphaModFix/>
+          </a:blip>
+          <a:stretch>
+            <a:fillRect/>
+          </a:stretch>
+        </p:blipFill>
+        <p:spPr>
+          <a:xfrm>
+            <a:off x="0" y="4117623"/>
+            <a:ext cx="6189425" cy="656000"/>
+          </a:xfrm>
+          <a:prstGeom prst="rect">
+            <a:avLst/>
+          </a:prstGeom>
+          <a:noFill/>
+          <a:ln>
+            <a:noFill/>
+          </a:ln>
+        </p:spPr>
+      </p:pic>
     </p:spTree>
   </p:cSld>
   <p:clrMapOvr>
@@ -10006,7 +11397,7 @@
   <p:cSld>
     <p:spTree>
       <p:nvGrpSpPr>
-        <p:cNvPr id="132" name="Shape 132"/>
+        <p:cNvPr id="134" name="Shape 134"/>
         <p:cNvGrpSpPr/>
         <p:nvPr/>
       </p:nvGrpSpPr>
@@ -10020,7 +11411,7 @@
       </p:grpSpPr>
       <p:sp>
         <p:nvSpPr>
-          <p:cNvPr id="133" name="Google Shape;133;p21"/>
+          <p:cNvPr id="135" name="Google Shape;135;p21"/>
           <p:cNvSpPr txBox="1"/>
           <p:nvPr>
             <p:ph type="title"/>
@@ -10052,51 +11443,68 @@
             </a:pPr>
             <a:r>
               <a:rPr lang="en"/>
-              <a:t>Analysis Results</a:t>
+              <a:t>First Analysis Results</a:t>
             </a:r>
             <a:endParaRPr/>
           </a:p>
         </p:txBody>
       </p:sp>
-      <p:sp>
-        <p:nvSpPr>
-          <p:cNvPr id="134" name="Google Shape;134;p21"/>
-          <p:cNvSpPr txBox="1"/>
-          <p:nvPr>
-            <p:ph idx="1" type="body"/>
-          </p:nvPr>
-        </p:nvSpPr>
+      <p:pic>
+        <p:nvPicPr>
+          <p:cNvPr id="136" name="Google Shape;136;p21"/>
+          <p:cNvPicPr preferRelativeResize="0"/>
+          <p:nvPr/>
+        </p:nvPicPr>
+        <p:blipFill>
+          <a:blip r:embed="rId3">
+            <a:alphaModFix/>
+          </a:blip>
+          <a:stretch>
+            <a:fillRect/>
+          </a:stretch>
+        </p:blipFill>
         <p:spPr>
           <a:xfrm>
-            <a:off x="311700" y="1229875"/>
-            <a:ext cx="8520600" cy="3339000"/>
+            <a:off x="5" y="1017797"/>
+            <a:ext cx="4600465" cy="3373225"/>
           </a:xfrm>
           <a:prstGeom prst="rect">
             <a:avLst/>
           </a:prstGeom>
+          <a:noFill/>
+          <a:ln>
+            <a:noFill/>
+          </a:ln>
         </p:spPr>
-        <p:txBody>
-          <a:bodyPr anchorCtr="0" anchor="t" bIns="91425" lIns="91425" spcFirstLastPara="1" rIns="91425" wrap="square" tIns="91425">
-            <a:normAutofit/>
-          </a:bodyPr>
-          <a:lstStyle/>
-          <a:p>
-            <a:pPr indent="0" lvl="0" marL="0" rtl="0" algn="l">
-              <a:spcBef>
-                <a:spcPts val="0"/>
-              </a:spcBef>
-              <a:spcAft>
-                <a:spcPts val="1200"/>
-              </a:spcAft>
-              <a:buNone/>
-            </a:pPr>
-            <a:r>
-              <a:t/>
-            </a:r>
-            <a:endParaRPr/>
-          </a:p>
-        </p:txBody>
-      </p:sp>
+      </p:pic>
+      <p:pic>
+        <p:nvPicPr>
+          <p:cNvPr id="137" name="Google Shape;137;p21"/>
+          <p:cNvPicPr preferRelativeResize="0"/>
+          <p:nvPr/>
+        </p:nvPicPr>
+        <p:blipFill>
+          <a:blip r:embed="rId4">
+            <a:alphaModFix/>
+          </a:blip>
+          <a:stretch>
+            <a:fillRect/>
+          </a:stretch>
+        </p:blipFill>
+        <p:spPr>
+          <a:xfrm>
+            <a:off x="4351135" y="1017800"/>
+            <a:ext cx="4529526" cy="3373225"/>
+          </a:xfrm>
+          <a:prstGeom prst="rect">
+            <a:avLst/>
+          </a:prstGeom>
+          <a:noFill/>
+          <a:ln>
+            <a:noFill/>
+          </a:ln>
+        </p:spPr>
+      </p:pic>
     </p:spTree>
   </p:cSld>
   <p:clrMapOvr>
